--- a/SAT/UNIT-6.pptx
+++ b/SAT/UNIT-6.pptx
@@ -158,6 +158,22 @@
       </a:defRPr>
     </a:lvl9pPr>
   </p:defaultTextStyle>
+  <p:extLst>
+    <p:ext uri="{EFAFB233-063F-42B5-8137-9DF3F51BA10A}">
+      <p15:sldGuideLst xmlns:p15="http://schemas.microsoft.com/office/powerpoint/2012/main">
+        <p15:guide id="1" orient="horz" pos="2160">
+          <p15:clr>
+            <a:srgbClr val="A4A3A4"/>
+          </p15:clr>
+        </p15:guide>
+        <p15:guide id="2" pos="2880">
+          <p15:clr>
+            <a:srgbClr val="A4A3A4"/>
+          </p15:clr>
+        </p15:guide>
+      </p15:sldGuideLst>
+    </p:ext>
+  </p:extLst>
 </p:presentation>
 </file>
 
@@ -243,7 +259,7 @@
           <a:p>
             <a:fld id="{FAB9B9B5-B680-487D-8AA2-6DD1670AA43B}" type="datetimeFigureOut">
               <a:rPr lang="en-US" smtClean="0"/>
-              <a:t>8/24/2015</a:t>
+              <a:t>2/6/2022</a:t>
             </a:fld>
             <a:endParaRPr lang="en-US"/>
           </a:p>
@@ -309,38 +325,37 @@
           <a:p>
             <a:pPr lvl="0"/>
             <a:r>
-              <a:rPr lang="en-US" smtClean="0"/>
+              <a:rPr lang="en-US"/>
               <a:t>Click to edit Master text styles</a:t>
             </a:r>
           </a:p>
           <a:p>
             <a:pPr lvl="1"/>
             <a:r>
-              <a:rPr lang="en-US" smtClean="0"/>
+              <a:rPr lang="en-US"/>
               <a:t>Second level</a:t>
             </a:r>
           </a:p>
           <a:p>
             <a:pPr lvl="2"/>
             <a:r>
-              <a:rPr lang="en-US" smtClean="0"/>
+              <a:rPr lang="en-US"/>
               <a:t>Third level</a:t>
             </a:r>
           </a:p>
           <a:p>
             <a:pPr lvl="3"/>
             <a:r>
-              <a:rPr lang="en-US" smtClean="0"/>
+              <a:rPr lang="en-US"/>
               <a:t>Fourth level</a:t>
             </a:r>
           </a:p>
           <a:p>
             <a:pPr lvl="4"/>
             <a:r>
-              <a:rPr lang="en-US" smtClean="0"/>
+              <a:rPr lang="en-US"/>
               <a:t>Fifth level</a:t>
             </a:r>
-            <a:endParaRPr lang="en-US"/>
           </a:p>
         </p:txBody>
       </p:sp>
@@ -591,7 +606,7 @@
           <a:bodyPr wrap="none" anchor="ctr"/>
           <a:lstStyle/>
           <a:p>
-            <a:endParaRPr lang="en-US" smtClean="0">
+            <a:endParaRPr lang="en-US">
               <a:latin typeface="Times New Roman" pitchFamily="18" charset="0"/>
             </a:endParaRPr>
           </a:p>
@@ -678,7 +693,7 @@
           <a:bodyPr wrap="none" anchor="ctr"/>
           <a:lstStyle/>
           <a:p>
-            <a:endParaRPr lang="en-US" smtClean="0">
+            <a:endParaRPr lang="en-US">
               <a:latin typeface="Times New Roman" pitchFamily="18" charset="0"/>
             </a:endParaRPr>
           </a:p>
@@ -765,7 +780,7 @@
           <a:bodyPr wrap="none" anchor="ctr"/>
           <a:lstStyle/>
           <a:p>
-            <a:endParaRPr lang="en-US" smtClean="0">
+            <a:endParaRPr lang="en-US">
               <a:latin typeface="Times New Roman" pitchFamily="18" charset="0"/>
             </a:endParaRPr>
           </a:p>
@@ -852,7 +867,7 @@
           <a:bodyPr wrap="none" anchor="ctr"/>
           <a:lstStyle/>
           <a:p>
-            <a:endParaRPr lang="en-US" smtClean="0">
+            <a:endParaRPr lang="en-US">
               <a:latin typeface="Times New Roman" pitchFamily="18" charset="0"/>
             </a:endParaRPr>
           </a:p>
@@ -939,7 +954,7 @@
           <a:bodyPr wrap="none" anchor="ctr"/>
           <a:lstStyle/>
           <a:p>
-            <a:endParaRPr lang="en-US" smtClean="0">
+            <a:endParaRPr lang="en-US">
               <a:latin typeface="Times New Roman" pitchFamily="18" charset="0"/>
             </a:endParaRPr>
           </a:p>
@@ -1026,7 +1041,7 @@
           <a:bodyPr wrap="none" anchor="ctr"/>
           <a:lstStyle/>
           <a:p>
-            <a:endParaRPr lang="en-US" smtClean="0">
+            <a:endParaRPr lang="en-US">
               <a:latin typeface="Times New Roman" pitchFamily="18" charset="0"/>
             </a:endParaRPr>
           </a:p>
@@ -1113,7 +1128,7 @@
           <a:bodyPr wrap="none" anchor="ctr"/>
           <a:lstStyle/>
           <a:p>
-            <a:endParaRPr lang="en-US" smtClean="0">
+            <a:endParaRPr lang="en-US">
               <a:latin typeface="Times New Roman" pitchFamily="18" charset="0"/>
             </a:endParaRPr>
           </a:p>
@@ -1200,7 +1215,7 @@
           <a:bodyPr wrap="none" anchor="ctr"/>
           <a:lstStyle/>
           <a:p>
-            <a:endParaRPr lang="en-US" smtClean="0">
+            <a:endParaRPr lang="en-US">
               <a:latin typeface="Times New Roman" pitchFamily="18" charset="0"/>
             </a:endParaRPr>
           </a:p>
@@ -1287,7 +1302,7 @@
           <a:bodyPr wrap="none" anchor="ctr"/>
           <a:lstStyle/>
           <a:p>
-            <a:endParaRPr lang="en-US" smtClean="0">
+            <a:endParaRPr lang="en-US">
               <a:latin typeface="Times New Roman" pitchFamily="18" charset="0"/>
             </a:endParaRPr>
           </a:p>
@@ -1374,7 +1389,7 @@
           <a:bodyPr wrap="none" anchor="ctr"/>
           <a:lstStyle/>
           <a:p>
-            <a:endParaRPr lang="en-US" smtClean="0">
+            <a:endParaRPr lang="en-US">
               <a:latin typeface="Times New Roman" pitchFamily="18" charset="0"/>
             </a:endParaRPr>
           </a:p>
@@ -1461,7 +1476,7 @@
           <a:bodyPr wrap="none" anchor="ctr"/>
           <a:lstStyle/>
           <a:p>
-            <a:endParaRPr lang="en-US" smtClean="0">
+            <a:endParaRPr lang="en-US">
               <a:latin typeface="Times New Roman" pitchFamily="18" charset="0"/>
             </a:endParaRPr>
           </a:p>
@@ -1548,7 +1563,7 @@
           <a:bodyPr wrap="none" anchor="ctr"/>
           <a:lstStyle/>
           <a:p>
-            <a:endParaRPr lang="en-US" smtClean="0">
+            <a:endParaRPr lang="en-US">
               <a:latin typeface="Times New Roman" pitchFamily="18" charset="0"/>
             </a:endParaRPr>
           </a:p>
@@ -1635,7 +1650,7 @@
           <a:bodyPr wrap="none" anchor="ctr"/>
           <a:lstStyle/>
           <a:p>
-            <a:endParaRPr lang="en-US" smtClean="0">
+            <a:endParaRPr lang="en-US">
               <a:latin typeface="Times New Roman" pitchFamily="18" charset="0"/>
             </a:endParaRPr>
           </a:p>
@@ -1722,7 +1737,7 @@
           <a:bodyPr wrap="none" anchor="ctr"/>
           <a:lstStyle/>
           <a:p>
-            <a:endParaRPr lang="en-US" smtClean="0">
+            <a:endParaRPr lang="en-US">
               <a:latin typeface="Times New Roman" pitchFamily="18" charset="0"/>
             </a:endParaRPr>
           </a:p>
@@ -1809,7 +1824,7 @@
           <a:bodyPr wrap="none" anchor="ctr"/>
           <a:lstStyle/>
           <a:p>
-            <a:endParaRPr lang="en-US" smtClean="0">
+            <a:endParaRPr lang="en-US">
               <a:latin typeface="Times New Roman" pitchFamily="18" charset="0"/>
             </a:endParaRPr>
           </a:p>
@@ -1896,7 +1911,7 @@
           <a:bodyPr wrap="none" anchor="ctr"/>
           <a:lstStyle/>
           <a:p>
-            <a:endParaRPr lang="en-US" smtClean="0">
+            <a:endParaRPr lang="en-US">
               <a:latin typeface="Times New Roman" pitchFamily="18" charset="0"/>
             </a:endParaRPr>
           </a:p>
@@ -1983,7 +1998,7 @@
           <a:bodyPr wrap="none" anchor="ctr"/>
           <a:lstStyle/>
           <a:p>
-            <a:endParaRPr lang="en-US" smtClean="0">
+            <a:endParaRPr lang="en-US">
               <a:latin typeface="Times New Roman" pitchFamily="18" charset="0"/>
             </a:endParaRPr>
           </a:p>
@@ -2070,7 +2085,7 @@
           <a:bodyPr wrap="none" anchor="ctr"/>
           <a:lstStyle/>
           <a:p>
-            <a:endParaRPr lang="en-US" smtClean="0">
+            <a:endParaRPr lang="en-US">
               <a:latin typeface="Times New Roman" pitchFamily="18" charset="0"/>
             </a:endParaRPr>
           </a:p>
@@ -2157,7 +2172,7 @@
           <a:bodyPr wrap="none" anchor="ctr"/>
           <a:lstStyle/>
           <a:p>
-            <a:endParaRPr lang="en-US" smtClean="0">
+            <a:endParaRPr lang="en-US">
               <a:latin typeface="Times New Roman" pitchFamily="18" charset="0"/>
             </a:endParaRPr>
           </a:p>
@@ -2244,7 +2259,7 @@
           <a:bodyPr wrap="none" anchor="ctr"/>
           <a:lstStyle/>
           <a:p>
-            <a:endParaRPr lang="en-US" smtClean="0">
+            <a:endParaRPr lang="en-US">
               <a:latin typeface="Times New Roman" pitchFamily="18" charset="0"/>
             </a:endParaRPr>
           </a:p>
@@ -2331,7 +2346,7 @@
           <a:bodyPr wrap="none" anchor="ctr"/>
           <a:lstStyle/>
           <a:p>
-            <a:endParaRPr lang="en-US" smtClean="0">
+            <a:endParaRPr lang="en-US">
               <a:latin typeface="Times New Roman" pitchFamily="18" charset="0"/>
             </a:endParaRPr>
           </a:p>
@@ -2418,7 +2433,7 @@
           <a:bodyPr wrap="none" anchor="ctr"/>
           <a:lstStyle/>
           <a:p>
-            <a:endParaRPr lang="en-US" smtClean="0">
+            <a:endParaRPr lang="en-US">
               <a:latin typeface="Times New Roman" pitchFamily="18" charset="0"/>
             </a:endParaRPr>
           </a:p>
@@ -2505,7 +2520,7 @@
           <a:bodyPr wrap="none" anchor="ctr"/>
           <a:lstStyle/>
           <a:p>
-            <a:endParaRPr lang="en-US" smtClean="0">
+            <a:endParaRPr lang="en-US">
               <a:latin typeface="Times New Roman" pitchFamily="18" charset="0"/>
             </a:endParaRPr>
           </a:p>
@@ -2592,7 +2607,7 @@
           <a:bodyPr wrap="none" anchor="ctr"/>
           <a:lstStyle/>
           <a:p>
-            <a:endParaRPr lang="en-US" smtClean="0">
+            <a:endParaRPr lang="en-US">
               <a:latin typeface="Times New Roman" pitchFamily="18" charset="0"/>
             </a:endParaRPr>
           </a:p>
@@ -2644,10 +2659,9 @@
           <a:lstStyle/>
           <a:p>
             <a:r>
-              <a:rPr lang="en-US" smtClean="0"/>
+              <a:rPr lang="en-US"/>
               <a:t>Click to edit Master title style</a:t>
             </a:r>
-            <a:endParaRPr lang="en-US"/>
           </a:p>
         </p:txBody>
       </p:sp>
@@ -2763,10 +2777,9 @@
           </a:lstStyle>
           <a:p>
             <a:r>
-              <a:rPr lang="en-US" smtClean="0"/>
+              <a:rPr lang="en-US"/>
               <a:t>Click to edit Master subtitle style</a:t>
             </a:r>
-            <a:endParaRPr lang="en-US"/>
           </a:p>
         </p:txBody>
       </p:sp>
@@ -2787,7 +2800,7 @@
           <a:p>
             <a:fld id="{8B843EFC-C030-4D94-A1A1-5FC58A349F61}" type="datetimeFigureOut">
               <a:rPr lang="en-US" smtClean="0"/>
-              <a:t>8/24/2015</a:t>
+              <a:t>2/6/2022</a:t>
             </a:fld>
             <a:endParaRPr lang="en-US"/>
           </a:p>
@@ -2876,10 +2889,9 @@
           <a:lstStyle/>
           <a:p>
             <a:r>
-              <a:rPr lang="en-US" smtClean="0"/>
+              <a:rPr lang="en-US"/>
               <a:t>Click to edit Master title style</a:t>
             </a:r>
-            <a:endParaRPr lang="en-US"/>
           </a:p>
         </p:txBody>
       </p:sp>
@@ -2900,38 +2912,37 @@
           <a:p>
             <a:pPr lvl="0"/>
             <a:r>
-              <a:rPr lang="en-US" smtClean="0"/>
+              <a:rPr lang="en-US"/>
               <a:t>Click to edit Master text styles</a:t>
             </a:r>
           </a:p>
           <a:p>
             <a:pPr lvl="1"/>
             <a:r>
-              <a:rPr lang="en-US" smtClean="0"/>
+              <a:rPr lang="en-US"/>
               <a:t>Second level</a:t>
             </a:r>
           </a:p>
           <a:p>
             <a:pPr lvl="2"/>
             <a:r>
-              <a:rPr lang="en-US" smtClean="0"/>
+              <a:rPr lang="en-US"/>
               <a:t>Third level</a:t>
             </a:r>
           </a:p>
           <a:p>
             <a:pPr lvl="3"/>
             <a:r>
-              <a:rPr lang="en-US" smtClean="0"/>
+              <a:rPr lang="en-US"/>
               <a:t>Fourth level</a:t>
             </a:r>
           </a:p>
           <a:p>
             <a:pPr lvl="4"/>
             <a:r>
-              <a:rPr lang="en-US" smtClean="0"/>
+              <a:rPr lang="en-US"/>
               <a:t>Fifth level</a:t>
             </a:r>
-            <a:endParaRPr lang="en-US"/>
           </a:p>
         </p:txBody>
       </p:sp>
@@ -2952,7 +2963,7 @@
           <a:p>
             <a:fld id="{8B843EFC-C030-4D94-A1A1-5FC58A349F61}" type="datetimeFigureOut">
               <a:rPr lang="en-US" smtClean="0"/>
-              <a:t>8/24/2015</a:t>
+              <a:t>2/6/2022</a:t>
             </a:fld>
             <a:endParaRPr lang="en-US"/>
           </a:p>
@@ -3046,10 +3057,9 @@
           <a:lstStyle/>
           <a:p>
             <a:r>
-              <a:rPr lang="en-US" smtClean="0"/>
+              <a:rPr lang="en-US"/>
               <a:t>Click to edit Master title style</a:t>
             </a:r>
-            <a:endParaRPr lang="en-US"/>
           </a:p>
         </p:txBody>
       </p:sp>
@@ -3075,38 +3085,37 @@
           <a:p>
             <a:pPr lvl="0"/>
             <a:r>
-              <a:rPr lang="en-US" smtClean="0"/>
+              <a:rPr lang="en-US"/>
               <a:t>Click to edit Master text styles</a:t>
             </a:r>
           </a:p>
           <a:p>
             <a:pPr lvl="1"/>
             <a:r>
-              <a:rPr lang="en-US" smtClean="0"/>
+              <a:rPr lang="en-US"/>
               <a:t>Second level</a:t>
             </a:r>
           </a:p>
           <a:p>
             <a:pPr lvl="2"/>
             <a:r>
-              <a:rPr lang="en-US" smtClean="0"/>
+              <a:rPr lang="en-US"/>
               <a:t>Third level</a:t>
             </a:r>
           </a:p>
           <a:p>
             <a:pPr lvl="3"/>
             <a:r>
-              <a:rPr lang="en-US" smtClean="0"/>
+              <a:rPr lang="en-US"/>
               <a:t>Fourth level</a:t>
             </a:r>
           </a:p>
           <a:p>
             <a:pPr lvl="4"/>
             <a:r>
-              <a:rPr lang="en-US" smtClean="0"/>
+              <a:rPr lang="en-US"/>
               <a:t>Fifth level</a:t>
             </a:r>
-            <a:endParaRPr lang="en-US"/>
           </a:p>
         </p:txBody>
       </p:sp>
@@ -3127,7 +3136,7 @@
           <a:p>
             <a:fld id="{8B843EFC-C030-4D94-A1A1-5FC58A349F61}" type="datetimeFigureOut">
               <a:rPr lang="en-US" smtClean="0"/>
-              <a:t>8/24/2015</a:t>
+              <a:t>2/6/2022</a:t>
             </a:fld>
             <a:endParaRPr lang="en-US"/>
           </a:p>
@@ -3221,10 +3230,9 @@
           <a:lstStyle/>
           <a:p>
             <a:r>
-              <a:rPr lang="en-US" smtClean="0"/>
+              <a:rPr lang="en-US"/>
               <a:t>Click to edit Master title style</a:t>
             </a:r>
-            <a:endParaRPr lang="en-US"/>
           </a:p>
         </p:txBody>
       </p:sp>
@@ -3387,10 +3395,9 @@
           <a:lstStyle/>
           <a:p>
             <a:r>
-              <a:rPr lang="en-US" smtClean="0"/>
+              <a:rPr lang="en-US"/>
               <a:t>Click to edit Master title style</a:t>
             </a:r>
-            <a:endParaRPr lang="en-US"/>
           </a:p>
         </p:txBody>
       </p:sp>
@@ -3416,38 +3423,37 @@
           <a:p>
             <a:pPr lvl="0"/>
             <a:r>
-              <a:rPr lang="en-US" smtClean="0"/>
+              <a:rPr lang="en-US"/>
               <a:t>Click to edit Master text styles</a:t>
             </a:r>
           </a:p>
           <a:p>
             <a:pPr lvl="1"/>
             <a:r>
-              <a:rPr lang="en-US" smtClean="0"/>
+              <a:rPr lang="en-US"/>
               <a:t>Second level</a:t>
             </a:r>
           </a:p>
           <a:p>
             <a:pPr lvl="2"/>
             <a:r>
-              <a:rPr lang="en-US" smtClean="0"/>
+              <a:rPr lang="en-US"/>
               <a:t>Third level</a:t>
             </a:r>
           </a:p>
           <a:p>
             <a:pPr lvl="3"/>
             <a:r>
-              <a:rPr lang="en-US" smtClean="0"/>
+              <a:rPr lang="en-US"/>
               <a:t>Fourth level</a:t>
             </a:r>
           </a:p>
           <a:p>
             <a:pPr lvl="4"/>
             <a:r>
-              <a:rPr lang="en-US" smtClean="0"/>
+              <a:rPr lang="en-US"/>
               <a:t>Fifth level</a:t>
             </a:r>
-            <a:endParaRPr lang="en-US"/>
           </a:p>
         </p:txBody>
       </p:sp>
@@ -3473,38 +3479,37 @@
           <a:p>
             <a:pPr lvl="0"/>
             <a:r>
-              <a:rPr lang="en-US" smtClean="0"/>
+              <a:rPr lang="en-US"/>
               <a:t>Click to edit Master text styles</a:t>
             </a:r>
           </a:p>
           <a:p>
             <a:pPr lvl="1"/>
             <a:r>
-              <a:rPr lang="en-US" smtClean="0"/>
+              <a:rPr lang="en-US"/>
               <a:t>Second level</a:t>
             </a:r>
           </a:p>
           <a:p>
             <a:pPr lvl="2"/>
             <a:r>
-              <a:rPr lang="en-US" smtClean="0"/>
+              <a:rPr lang="en-US"/>
               <a:t>Third level</a:t>
             </a:r>
           </a:p>
           <a:p>
             <a:pPr lvl="3"/>
             <a:r>
-              <a:rPr lang="en-US" smtClean="0"/>
+              <a:rPr lang="en-US"/>
               <a:t>Fourth level</a:t>
             </a:r>
           </a:p>
           <a:p>
             <a:pPr lvl="4"/>
             <a:r>
-              <a:rPr lang="en-US" smtClean="0"/>
+              <a:rPr lang="en-US"/>
               <a:t>Fifth level</a:t>
             </a:r>
-            <a:endParaRPr lang="en-US"/>
           </a:p>
         </p:txBody>
       </p:sp>
@@ -3549,10 +3554,9 @@
           <a:lstStyle/>
           <a:p>
             <a:r>
-              <a:rPr lang="en-US" smtClean="0"/>
+              <a:rPr lang="en-US"/>
               <a:t>Click to edit Master title style</a:t>
             </a:r>
-            <a:endParaRPr lang="en-US"/>
           </a:p>
         </p:txBody>
       </p:sp>
@@ -3573,38 +3577,37 @@
           <a:p>
             <a:pPr lvl="0"/>
             <a:r>
-              <a:rPr lang="en-US" smtClean="0"/>
+              <a:rPr lang="en-US"/>
               <a:t>Click to edit Master text styles</a:t>
             </a:r>
           </a:p>
           <a:p>
             <a:pPr lvl="1"/>
             <a:r>
-              <a:rPr lang="en-US" smtClean="0"/>
+              <a:rPr lang="en-US"/>
               <a:t>Second level</a:t>
             </a:r>
           </a:p>
           <a:p>
             <a:pPr lvl="2"/>
             <a:r>
-              <a:rPr lang="en-US" smtClean="0"/>
+              <a:rPr lang="en-US"/>
               <a:t>Third level</a:t>
             </a:r>
           </a:p>
           <a:p>
             <a:pPr lvl="3"/>
             <a:r>
-              <a:rPr lang="en-US" smtClean="0"/>
+              <a:rPr lang="en-US"/>
               <a:t>Fourth level</a:t>
             </a:r>
           </a:p>
           <a:p>
             <a:pPr lvl="4"/>
             <a:r>
-              <a:rPr lang="en-US" smtClean="0"/>
+              <a:rPr lang="en-US"/>
               <a:t>Fifth level</a:t>
             </a:r>
-            <a:endParaRPr lang="en-US"/>
           </a:p>
         </p:txBody>
       </p:sp>
@@ -3625,7 +3628,7 @@
           <a:p>
             <a:fld id="{8B843EFC-C030-4D94-A1A1-5FC58A349F61}" type="datetimeFigureOut">
               <a:rPr lang="en-US" smtClean="0"/>
-              <a:t>8/24/2015</a:t>
+              <a:t>2/6/2022</a:t>
             </a:fld>
             <a:endParaRPr lang="en-US"/>
           </a:p>
@@ -3723,10 +3726,9 @@
           </a:lstStyle>
           <a:p>
             <a:r>
-              <a:rPr lang="en-US" smtClean="0"/>
+              <a:rPr lang="en-US"/>
               <a:t>Click to edit Master title style</a:t>
             </a:r>
-            <a:endParaRPr lang="en-US"/>
           </a:p>
         </p:txBody>
       </p:sp>
@@ -3843,7 +3845,7 @@
           <a:p>
             <a:pPr lvl="0"/>
             <a:r>
-              <a:rPr lang="en-US" smtClean="0"/>
+              <a:rPr lang="en-US"/>
               <a:t>Click to edit Master text styles</a:t>
             </a:r>
           </a:p>
@@ -3866,7 +3868,7 @@
           <a:p>
             <a:fld id="{8B843EFC-C030-4D94-A1A1-5FC58A349F61}" type="datetimeFigureOut">
               <a:rPr lang="en-US" smtClean="0"/>
-              <a:t>8/24/2015</a:t>
+              <a:t>2/6/2022</a:t>
             </a:fld>
             <a:endParaRPr lang="en-US"/>
           </a:p>
@@ -3955,10 +3957,9 @@
           <a:lstStyle/>
           <a:p>
             <a:r>
-              <a:rPr lang="en-US" smtClean="0"/>
+              <a:rPr lang="en-US"/>
               <a:t>Click to edit Master title style</a:t>
             </a:r>
-            <a:endParaRPr lang="en-US"/>
           </a:p>
         </p:txBody>
       </p:sp>
@@ -4012,38 +4013,37 @@
           <a:p>
             <a:pPr lvl="0"/>
             <a:r>
-              <a:rPr lang="en-US" smtClean="0"/>
+              <a:rPr lang="en-US"/>
               <a:t>Click to edit Master text styles</a:t>
             </a:r>
           </a:p>
           <a:p>
             <a:pPr lvl="1"/>
             <a:r>
-              <a:rPr lang="en-US" smtClean="0"/>
+              <a:rPr lang="en-US"/>
               <a:t>Second level</a:t>
             </a:r>
           </a:p>
           <a:p>
             <a:pPr lvl="2"/>
             <a:r>
-              <a:rPr lang="en-US" smtClean="0"/>
+              <a:rPr lang="en-US"/>
               <a:t>Third level</a:t>
             </a:r>
           </a:p>
           <a:p>
             <a:pPr lvl="3"/>
             <a:r>
-              <a:rPr lang="en-US" smtClean="0"/>
+              <a:rPr lang="en-US"/>
               <a:t>Fourth level</a:t>
             </a:r>
           </a:p>
           <a:p>
             <a:pPr lvl="4"/>
             <a:r>
-              <a:rPr lang="en-US" smtClean="0"/>
+              <a:rPr lang="en-US"/>
               <a:t>Fifth level</a:t>
             </a:r>
-            <a:endParaRPr lang="en-US"/>
           </a:p>
         </p:txBody>
       </p:sp>
@@ -4097,38 +4097,37 @@
           <a:p>
             <a:pPr lvl="0"/>
             <a:r>
-              <a:rPr lang="en-US" smtClean="0"/>
+              <a:rPr lang="en-US"/>
               <a:t>Click to edit Master text styles</a:t>
             </a:r>
           </a:p>
           <a:p>
             <a:pPr lvl="1"/>
             <a:r>
-              <a:rPr lang="en-US" smtClean="0"/>
+              <a:rPr lang="en-US"/>
               <a:t>Second level</a:t>
             </a:r>
           </a:p>
           <a:p>
             <a:pPr lvl="2"/>
             <a:r>
-              <a:rPr lang="en-US" smtClean="0"/>
+              <a:rPr lang="en-US"/>
               <a:t>Third level</a:t>
             </a:r>
           </a:p>
           <a:p>
             <a:pPr lvl="3"/>
             <a:r>
-              <a:rPr lang="en-US" smtClean="0"/>
+              <a:rPr lang="en-US"/>
               <a:t>Fourth level</a:t>
             </a:r>
           </a:p>
           <a:p>
             <a:pPr lvl="4"/>
             <a:r>
-              <a:rPr lang="en-US" smtClean="0"/>
+              <a:rPr lang="en-US"/>
               <a:t>Fifth level</a:t>
             </a:r>
-            <a:endParaRPr lang="en-US"/>
           </a:p>
         </p:txBody>
       </p:sp>
@@ -4149,7 +4148,7 @@
           <a:p>
             <a:fld id="{8B843EFC-C030-4D94-A1A1-5FC58A349F61}" type="datetimeFigureOut">
               <a:rPr lang="en-US" smtClean="0"/>
-              <a:t>8/24/2015</a:t>
+              <a:t>2/6/2022</a:t>
             </a:fld>
             <a:endParaRPr lang="en-US"/>
           </a:p>
@@ -4242,10 +4241,9 @@
           </a:lstStyle>
           <a:p>
             <a:r>
-              <a:rPr lang="en-US" smtClean="0"/>
+              <a:rPr lang="en-US"/>
               <a:t>Click to edit Master title style</a:t>
             </a:r>
-            <a:endParaRPr lang="en-US"/>
           </a:p>
         </p:txBody>
       </p:sp>
@@ -4308,7 +4306,7 @@
           <a:p>
             <a:pPr lvl="0"/>
             <a:r>
-              <a:rPr lang="en-US" smtClean="0"/>
+              <a:rPr lang="en-US"/>
               <a:t>Click to edit Master text styles</a:t>
             </a:r>
           </a:p>
@@ -4364,38 +4362,37 @@
           <a:p>
             <a:pPr lvl="0"/>
             <a:r>
-              <a:rPr lang="en-US" smtClean="0"/>
+              <a:rPr lang="en-US"/>
               <a:t>Click to edit Master text styles</a:t>
             </a:r>
           </a:p>
           <a:p>
             <a:pPr lvl="1"/>
             <a:r>
-              <a:rPr lang="en-US" smtClean="0"/>
+              <a:rPr lang="en-US"/>
               <a:t>Second level</a:t>
             </a:r>
           </a:p>
           <a:p>
             <a:pPr lvl="2"/>
             <a:r>
-              <a:rPr lang="en-US" smtClean="0"/>
+              <a:rPr lang="en-US"/>
               <a:t>Third level</a:t>
             </a:r>
           </a:p>
           <a:p>
             <a:pPr lvl="3"/>
             <a:r>
-              <a:rPr lang="en-US" smtClean="0"/>
+              <a:rPr lang="en-US"/>
               <a:t>Fourth level</a:t>
             </a:r>
           </a:p>
           <a:p>
             <a:pPr lvl="4"/>
             <a:r>
-              <a:rPr lang="en-US" smtClean="0"/>
+              <a:rPr lang="en-US"/>
               <a:t>Fifth level</a:t>
             </a:r>
-            <a:endParaRPr lang="en-US"/>
           </a:p>
         </p:txBody>
       </p:sp>
@@ -4458,7 +4455,7 @@
           <a:p>
             <a:pPr lvl="0"/>
             <a:r>
-              <a:rPr lang="en-US" smtClean="0"/>
+              <a:rPr lang="en-US"/>
               <a:t>Click to edit Master text styles</a:t>
             </a:r>
           </a:p>
@@ -4514,38 +4511,37 @@
           <a:p>
             <a:pPr lvl="0"/>
             <a:r>
-              <a:rPr lang="en-US" smtClean="0"/>
+              <a:rPr lang="en-US"/>
               <a:t>Click to edit Master text styles</a:t>
             </a:r>
           </a:p>
           <a:p>
             <a:pPr lvl="1"/>
             <a:r>
-              <a:rPr lang="en-US" smtClean="0"/>
+              <a:rPr lang="en-US"/>
               <a:t>Second level</a:t>
             </a:r>
           </a:p>
           <a:p>
             <a:pPr lvl="2"/>
             <a:r>
-              <a:rPr lang="en-US" smtClean="0"/>
+              <a:rPr lang="en-US"/>
               <a:t>Third level</a:t>
             </a:r>
           </a:p>
           <a:p>
             <a:pPr lvl="3"/>
             <a:r>
-              <a:rPr lang="en-US" smtClean="0"/>
+              <a:rPr lang="en-US"/>
               <a:t>Fourth level</a:t>
             </a:r>
           </a:p>
           <a:p>
             <a:pPr lvl="4"/>
             <a:r>
-              <a:rPr lang="en-US" smtClean="0"/>
+              <a:rPr lang="en-US"/>
               <a:t>Fifth level</a:t>
             </a:r>
-            <a:endParaRPr lang="en-US"/>
           </a:p>
         </p:txBody>
       </p:sp>
@@ -4566,7 +4562,7 @@
           <a:p>
             <a:fld id="{8B843EFC-C030-4D94-A1A1-5FC58A349F61}" type="datetimeFigureOut">
               <a:rPr lang="en-US" smtClean="0"/>
-              <a:t>8/24/2015</a:t>
+              <a:t>2/6/2022</a:t>
             </a:fld>
             <a:endParaRPr lang="en-US"/>
           </a:p>
@@ -4655,10 +4651,9 @@
           <a:lstStyle/>
           <a:p>
             <a:r>
-              <a:rPr lang="en-US" smtClean="0"/>
+              <a:rPr lang="en-US"/>
               <a:t>Click to edit Master title style</a:t>
             </a:r>
-            <a:endParaRPr lang="en-US"/>
           </a:p>
         </p:txBody>
       </p:sp>
@@ -4679,7 +4674,7 @@
           <a:p>
             <a:fld id="{8B843EFC-C030-4D94-A1A1-5FC58A349F61}" type="datetimeFigureOut">
               <a:rPr lang="en-US" smtClean="0"/>
-              <a:t>8/24/2015</a:t>
+              <a:t>2/6/2022</a:t>
             </a:fld>
             <a:endParaRPr lang="en-US"/>
           </a:p>
@@ -4769,7 +4764,7 @@
           <a:p>
             <a:fld id="{8B843EFC-C030-4D94-A1A1-5FC58A349F61}" type="datetimeFigureOut">
               <a:rPr lang="en-US" smtClean="0"/>
-              <a:t>8/24/2015</a:t>
+              <a:t>2/6/2022</a:t>
             </a:fld>
             <a:endParaRPr lang="en-US"/>
           </a:p>
@@ -4867,10 +4862,9 @@
           </a:lstStyle>
           <a:p>
             <a:r>
-              <a:rPr lang="en-US" smtClean="0"/>
+              <a:rPr lang="en-US"/>
               <a:t>Click to edit Master title style</a:t>
             </a:r>
-            <a:endParaRPr lang="en-US"/>
           </a:p>
         </p:txBody>
       </p:sp>
@@ -4924,38 +4918,37 @@
           <a:p>
             <a:pPr lvl="0"/>
             <a:r>
-              <a:rPr lang="en-US" smtClean="0"/>
+              <a:rPr lang="en-US"/>
               <a:t>Click to edit Master text styles</a:t>
             </a:r>
           </a:p>
           <a:p>
             <a:pPr lvl="1"/>
             <a:r>
-              <a:rPr lang="en-US" smtClean="0"/>
+              <a:rPr lang="en-US"/>
               <a:t>Second level</a:t>
             </a:r>
           </a:p>
           <a:p>
             <a:pPr lvl="2"/>
             <a:r>
-              <a:rPr lang="en-US" smtClean="0"/>
+              <a:rPr lang="en-US"/>
               <a:t>Third level</a:t>
             </a:r>
           </a:p>
           <a:p>
             <a:pPr lvl="3"/>
             <a:r>
-              <a:rPr lang="en-US" smtClean="0"/>
+              <a:rPr lang="en-US"/>
               <a:t>Fourth level</a:t>
             </a:r>
           </a:p>
           <a:p>
             <a:pPr lvl="4"/>
             <a:r>
-              <a:rPr lang="en-US" smtClean="0"/>
+              <a:rPr lang="en-US"/>
               <a:t>Fifth level</a:t>
             </a:r>
-            <a:endParaRPr lang="en-US"/>
           </a:p>
         </p:txBody>
       </p:sp>
@@ -5018,7 +5011,7 @@
           <a:p>
             <a:pPr lvl="0"/>
             <a:r>
-              <a:rPr lang="en-US" smtClean="0"/>
+              <a:rPr lang="en-US"/>
               <a:t>Click to edit Master text styles</a:t>
             </a:r>
           </a:p>
@@ -5041,7 +5034,7 @@
           <a:p>
             <a:fld id="{8B843EFC-C030-4D94-A1A1-5FC58A349F61}" type="datetimeFigureOut">
               <a:rPr lang="en-US" smtClean="0"/>
-              <a:t>8/24/2015</a:t>
+              <a:t>2/6/2022</a:t>
             </a:fld>
             <a:endParaRPr lang="en-US"/>
           </a:p>
@@ -5139,10 +5132,9 @@
           </a:lstStyle>
           <a:p>
             <a:r>
-              <a:rPr lang="en-US" smtClean="0"/>
+              <a:rPr lang="en-US"/>
               <a:t>Click to edit Master title style</a:t>
             </a:r>
-            <a:endParaRPr lang="en-US"/>
           </a:p>
         </p:txBody>
       </p:sp>
@@ -5266,7 +5258,7 @@
           <a:p>
             <a:pPr lvl="0"/>
             <a:r>
-              <a:rPr lang="en-US" smtClean="0"/>
+              <a:rPr lang="en-US"/>
               <a:t>Click to edit Master text styles</a:t>
             </a:r>
           </a:p>
@@ -5289,7 +5281,7 @@
           <a:p>
             <a:fld id="{8B843EFC-C030-4D94-A1A1-5FC58A349F61}" type="datetimeFigureOut">
               <a:rPr lang="en-US" smtClean="0"/>
-              <a:t>8/24/2015</a:t>
+              <a:t>2/6/2022</a:t>
             </a:fld>
             <a:endParaRPr lang="en-US"/>
           </a:p>
@@ -5393,10 +5385,9 @@
           <a:lstStyle/>
           <a:p>
             <a:r>
-              <a:rPr lang="en-US" smtClean="0"/>
+              <a:rPr lang="en-US"/>
               <a:t>Click to edit Master title style</a:t>
             </a:r>
-            <a:endParaRPr lang="en-US"/>
           </a:p>
         </p:txBody>
       </p:sp>
@@ -5427,38 +5418,37 @@
           <a:p>
             <a:pPr lvl="0"/>
             <a:r>
-              <a:rPr lang="en-US" smtClean="0"/>
+              <a:rPr lang="en-US"/>
               <a:t>Click to edit Master text styles</a:t>
             </a:r>
           </a:p>
           <a:p>
             <a:pPr lvl="1"/>
             <a:r>
-              <a:rPr lang="en-US" smtClean="0"/>
+              <a:rPr lang="en-US"/>
               <a:t>Second level</a:t>
             </a:r>
           </a:p>
           <a:p>
             <a:pPr lvl="2"/>
             <a:r>
-              <a:rPr lang="en-US" smtClean="0"/>
+              <a:rPr lang="en-US"/>
               <a:t>Third level</a:t>
             </a:r>
           </a:p>
           <a:p>
             <a:pPr lvl="3"/>
             <a:r>
-              <a:rPr lang="en-US" smtClean="0"/>
+              <a:rPr lang="en-US"/>
               <a:t>Fourth level</a:t>
             </a:r>
           </a:p>
           <a:p>
             <a:pPr lvl="4"/>
             <a:r>
-              <a:rPr lang="en-US" smtClean="0"/>
+              <a:rPr lang="en-US"/>
               <a:t>Fifth level</a:t>
             </a:r>
-            <a:endParaRPr lang="en-US"/>
           </a:p>
         </p:txBody>
       </p:sp>
@@ -5497,7 +5487,7 @@
           <a:p>
             <a:fld id="{8B843EFC-C030-4D94-A1A1-5FC58A349F61}" type="datetimeFigureOut">
               <a:rPr lang="en-US" smtClean="0"/>
-              <a:t>8/24/2015</a:t>
+              <a:t>2/6/2022</a:t>
             </a:fld>
             <a:endParaRPr lang="en-US"/>
           </a:p>
@@ -5908,7 +5898,7 @@
               </a:tabLst>
             </a:pPr>
             <a:r>
-              <a:rPr lang="en-US" sz="3600" b="1" cap="none" dirty="0" smtClean="0">
+              <a:rPr lang="en-US" sz="3600" b="1" cap="none" dirty="0">
                 <a:solidFill>
                   <a:srgbClr val="FF0000"/>
                 </a:solidFill>
@@ -5961,7 +5951,7 @@
                 <a:tab pos="7239000" algn="l"/>
               </a:tabLst>
             </a:pPr>
-            <a:endParaRPr lang="en-US" sz="4400" dirty="0" smtClean="0"/>
+            <a:endParaRPr lang="en-US" sz="4400" dirty="0"/>
           </a:p>
           <a:p>
             <a:pPr marL="341313" indent="-341313" algn="ctr">
@@ -5988,7 +5978,7 @@
               </a:tabLst>
             </a:pPr>
             <a:r>
-              <a:rPr lang="en-US" sz="4400" dirty="0" smtClean="0">
+              <a:rPr lang="en-US" sz="4400" dirty="0">
                 <a:solidFill>
                   <a:schemeClr val="tx1"/>
                 </a:solidFill>
@@ -6021,7 +6011,7 @@
               </a:tabLst>
             </a:pPr>
             <a:r>
-              <a:rPr lang="en-US" sz="4400" dirty="0" smtClean="0">
+              <a:rPr lang="en-US" sz="4400" dirty="0">
                 <a:solidFill>
                   <a:schemeClr val="tx1"/>
                 </a:solidFill>
@@ -6054,7 +6044,7 @@
               </a:tabLst>
             </a:pPr>
             <a:r>
-              <a:rPr lang="en-US" sz="4400" dirty="0" smtClean="0">
+              <a:rPr lang="en-US" sz="4400" dirty="0">
                 <a:solidFill>
                   <a:schemeClr val="tx1"/>
                 </a:solidFill>
@@ -6204,19 +6194,19 @@
               </a:tabLst>
             </a:pPr>
             <a:r>
-              <a:rPr lang="en-US" u="sng" smtClean="0"/>
+              <a:rPr lang="en-US" u="sng"/>
               <a:t>Each row</a:t>
             </a:r>
             <a:r>
-              <a:rPr lang="en-US" smtClean="0"/>
+              <a:rPr lang="en-US"/>
               <a:t> of a matrix denotes the </a:t>
             </a:r>
             <a:r>
-              <a:rPr lang="en-US" b="1" u="sng" smtClean="0"/>
+              <a:rPr lang="en-US" b="1" u="sng"/>
               <a:t>outlinks </a:t>
             </a:r>
             <a:r>
-              <a:rPr lang="en-US" smtClean="0"/>
+              <a:rPr lang="en-US"/>
               <a:t>of the node corresponding to that row.</a:t>
             </a:r>
           </a:p>
@@ -6243,19 +6233,19 @@
               </a:tabLst>
             </a:pPr>
             <a:r>
-              <a:rPr lang="en-US" u="sng" smtClean="0"/>
+              <a:rPr lang="en-US" u="sng"/>
               <a:t>Each column</a:t>
             </a:r>
             <a:r>
-              <a:rPr lang="en-US" smtClean="0"/>
+              <a:rPr lang="en-US"/>
               <a:t> denotes the </a:t>
             </a:r>
             <a:r>
-              <a:rPr lang="en-US" b="1" u="sng" smtClean="0"/>
+              <a:rPr lang="en-US" b="1" u="sng"/>
               <a:t>inlinks </a:t>
             </a:r>
             <a:r>
-              <a:rPr lang="en-US" smtClean="0"/>
+              <a:rPr lang="en-US"/>
               <a:t>correspoding to that node.</a:t>
             </a:r>
           </a:p>
@@ -6282,19 +6272,19 @@
               </a:tabLst>
             </a:pPr>
             <a:r>
-              <a:rPr lang="en-US" smtClean="0"/>
+              <a:rPr lang="en-US"/>
               <a:t>A </a:t>
             </a:r>
             <a:r>
-              <a:rPr lang="en-US" u="sng" smtClean="0"/>
+              <a:rPr lang="en-US" u="sng"/>
               <a:t>branch</a:t>
             </a:r>
             <a:r>
-              <a:rPr lang="en-US" smtClean="0"/>
+              <a:rPr lang="en-US"/>
               <a:t> is a node with </a:t>
             </a:r>
             <a:r>
-              <a:rPr lang="en-US" u="sng" smtClean="0"/>
+              <a:rPr lang="en-US" u="sng"/>
               <a:t>more than one nonzero entry in its row.</a:t>
             </a:r>
           </a:p>
@@ -6321,19 +6311,19 @@
               </a:tabLst>
             </a:pPr>
             <a:r>
-              <a:rPr lang="en-US" smtClean="0"/>
+              <a:rPr lang="en-US"/>
               <a:t>A </a:t>
             </a:r>
             <a:r>
-              <a:rPr lang="en-US" u="sng" smtClean="0"/>
+              <a:rPr lang="en-US" u="sng"/>
               <a:t>junction</a:t>
             </a:r>
             <a:r>
-              <a:rPr lang="en-US" smtClean="0"/>
+              <a:rPr lang="en-US"/>
               <a:t> is node with </a:t>
             </a:r>
             <a:r>
-              <a:rPr lang="en-US" u="sng" smtClean="0"/>
+              <a:rPr lang="en-US" u="sng"/>
               <a:t>more than one nonzero entry in its column.</a:t>
             </a:r>
           </a:p>
@@ -6360,15 +6350,15 @@
               </a:tabLst>
             </a:pPr>
             <a:r>
-              <a:rPr lang="en-US" smtClean="0"/>
+              <a:rPr lang="en-US"/>
               <a:t>A </a:t>
             </a:r>
             <a:r>
-              <a:rPr lang="en-US" u="sng" smtClean="0"/>
+              <a:rPr lang="en-US" u="sng"/>
               <a:t>self loop is an entry along the diagonal</a:t>
             </a:r>
             <a:r>
-              <a:rPr lang="en-US" smtClean="0"/>
+              <a:rPr lang="en-US"/>
               <a:t>.</a:t>
             </a:r>
           </a:p>
@@ -6396,7 +6386,7 @@
                 <a:tab pos="7962900" algn="l"/>
               </a:tabLst>
             </a:pPr>
-            <a:endParaRPr lang="en-US" smtClean="0"/>
+            <a:endParaRPr lang="en-US"/>
           </a:p>
         </p:txBody>
       </p:sp>
@@ -6537,7 +6527,7 @@
               </a:tabLst>
             </a:pPr>
             <a:r>
-              <a:rPr lang="en-US" sz="2800" smtClean="0">
+              <a:rPr lang="en-US" sz="2800">
                 <a:solidFill>
                   <a:srgbClr val="000000"/>
                 </a:solidFill>
@@ -6566,7 +6556,7 @@
                 <a:tab pos="7962900" algn="l"/>
               </a:tabLst>
             </a:pPr>
-            <a:endParaRPr lang="en-US" sz="2800" smtClean="0">
+            <a:endParaRPr lang="en-US" sz="2800">
               <a:solidFill>
                 <a:srgbClr val="000000"/>
               </a:solidFill>
@@ -7987,11 +7977,11 @@
               </a:tabLst>
             </a:pPr>
             <a:r>
-              <a:rPr lang="en-US" sz="2800" smtClean="0"/>
+              <a:rPr lang="en-US" sz="2800"/>
               <a:t>A </a:t>
             </a:r>
             <a:r>
-              <a:rPr lang="en-US" sz="2800" u="sng" smtClean="0"/>
+              <a:rPr lang="en-US" sz="2800" u="sng"/>
               <a:t>relation is a property that exists between two objects of interest.</a:t>
             </a:r>
           </a:p>
@@ -8018,7 +8008,7 @@
               </a:tabLst>
             </a:pPr>
             <a:r>
-              <a:rPr lang="en-US" sz="2800" smtClean="0"/>
+              <a:rPr lang="en-US" sz="2800"/>
               <a:t>For example,</a:t>
             </a:r>
           </a:p>
@@ -8045,7 +8035,7 @@
               </a:tabLst>
             </a:pPr>
             <a:r>
-              <a:rPr lang="en-US" sz="2400" smtClean="0"/>
+              <a:rPr lang="en-US" sz="2400"/>
               <a:t>“Node a is connected to node b” or aRb where “R” means “is connected to”.</a:t>
             </a:r>
           </a:p>
@@ -8072,7 +8062,7 @@
               </a:tabLst>
             </a:pPr>
             <a:r>
-              <a:rPr lang="en-US" sz="2400" smtClean="0"/>
+              <a:rPr lang="en-US" sz="2400"/>
               <a:t>“a&gt;=b” or aRb where “R” means greater than or equal”.</a:t>
             </a:r>
           </a:p>
@@ -8099,7 +8089,7 @@
               </a:tabLst>
             </a:pPr>
             <a:r>
-              <a:rPr lang="en-US" sz="2800" smtClean="0"/>
+              <a:rPr lang="en-US" sz="2800"/>
               <a:t>A graph consists of set of abstract objects called nodes and a relation R between the nodes.</a:t>
             </a:r>
           </a:p>
@@ -8126,19 +8116,19 @@
               </a:tabLst>
             </a:pPr>
             <a:r>
-              <a:rPr lang="en-US" sz="2800" smtClean="0"/>
+              <a:rPr lang="en-US" sz="2800"/>
               <a:t>If </a:t>
             </a:r>
             <a:r>
-              <a:rPr lang="en-US" sz="2800" u="sng" smtClean="0"/>
+              <a:rPr lang="en-US" sz="2800" u="sng"/>
               <a:t>aRb</a:t>
             </a:r>
             <a:r>
-              <a:rPr lang="en-US" sz="2800" smtClean="0"/>
+              <a:rPr lang="en-US" sz="2800"/>
               <a:t>, which is to say that </a:t>
             </a:r>
             <a:r>
-              <a:rPr lang="en-US" sz="2800" u="sng" smtClean="0"/>
+              <a:rPr lang="en-US" sz="2800" u="sng"/>
               <a:t>a has the relation R to b, it is denoted by a link from a to b.</a:t>
             </a:r>
           </a:p>
@@ -8165,7 +8155,7 @@
               </a:tabLst>
             </a:pPr>
             <a:r>
-              <a:rPr lang="en-US" sz="2800" smtClean="0"/>
+              <a:rPr lang="en-US" sz="2800"/>
               <a:t>For some relations we can associate properties called as link weights.</a:t>
             </a:r>
           </a:p>
@@ -8305,7 +8295,7 @@
               </a:tabLst>
             </a:pPr>
             <a:r>
-              <a:rPr lang="en-US" smtClean="0"/>
+              <a:rPr lang="en-US"/>
               <a:t>Transitive Relations</a:t>
             </a:r>
           </a:p>
@@ -8326,7 +8316,7 @@
               </a:tabLst>
             </a:pPr>
             <a:r>
-              <a:rPr lang="en-US" smtClean="0"/>
+              <a:rPr lang="en-US"/>
               <a:t>Reflexive Relations</a:t>
             </a:r>
           </a:p>
@@ -8347,7 +8337,7 @@
               </a:tabLst>
             </a:pPr>
             <a:r>
-              <a:rPr lang="en-US" smtClean="0"/>
+              <a:rPr lang="en-US"/>
               <a:t>Symmetric Relations</a:t>
             </a:r>
           </a:p>
@@ -8368,7 +8358,7 @@
               </a:tabLst>
             </a:pPr>
             <a:r>
-              <a:rPr lang="en-US" smtClean="0"/>
+              <a:rPr lang="en-US"/>
               <a:t>Antisymmetric Relations</a:t>
             </a:r>
           </a:p>
@@ -8389,7 +8379,7 @@
               </a:tabLst>
             </a:pPr>
             <a:r>
-              <a:rPr lang="en-US" smtClean="0"/>
+              <a:rPr lang="en-US"/>
               <a:t>Equivalence Relations</a:t>
             </a:r>
           </a:p>
@@ -8410,7 +8400,7 @@
               </a:tabLst>
             </a:pPr>
             <a:r>
-              <a:rPr lang="en-US" smtClean="0"/>
+              <a:rPr lang="en-US"/>
               <a:t>Partial Ordering Relations</a:t>
             </a:r>
           </a:p>
@@ -8556,11 +8546,11 @@
               </a:tabLst>
             </a:pPr>
             <a:r>
-              <a:rPr lang="en-US" sz="2800" smtClean="0"/>
+              <a:rPr lang="en-US" sz="2800"/>
               <a:t>A relation is </a:t>
             </a:r>
             <a:r>
-              <a:rPr lang="en-US" sz="2800" b="1" smtClean="0">
+              <a:rPr lang="en-US" sz="2800" b="1">
                 <a:solidFill>
                   <a:srgbClr val="FF0000"/>
                 </a:solidFill>
@@ -8568,11 +8558,11 @@
               <a:t>transitive</a:t>
             </a:r>
             <a:r>
-              <a:rPr lang="en-US" sz="2800" smtClean="0"/>
+              <a:rPr lang="en-US" sz="2800"/>
               <a:t> if </a:t>
             </a:r>
             <a:r>
-              <a:rPr lang="en-US" sz="2800" b="1" smtClean="0"/>
+              <a:rPr lang="en-US" sz="2800" b="1"/>
               <a:t>aRb and bRc implies aRc.</a:t>
             </a:r>
           </a:p>
@@ -8599,15 +8589,15 @@
               </a:tabLst>
             </a:pPr>
             <a:r>
-              <a:rPr lang="en-US" sz="2800" smtClean="0"/>
+              <a:rPr lang="en-US" sz="2800"/>
               <a:t>Most </a:t>
             </a:r>
             <a:r>
-              <a:rPr lang="en-US" sz="2800" u="sng" smtClean="0"/>
+              <a:rPr lang="en-US" sz="2800" u="sng"/>
               <a:t>relations used in testing are transitive</a:t>
             </a:r>
             <a:r>
-              <a:rPr lang="en-US" sz="2800" smtClean="0"/>
+              <a:rPr lang="en-US" sz="2800"/>
               <a:t>.</a:t>
             </a:r>
           </a:p>
@@ -8634,7 +8624,7 @@
               </a:tabLst>
             </a:pPr>
             <a:r>
-              <a:rPr lang="en-US" sz="2800" smtClean="0"/>
+              <a:rPr lang="en-US" sz="2800"/>
               <a:t>Examples of transitive relations include: is connected to, is greater than or equal to, is less than or equal to, is a relative of, is faster than, is slower than, takes more time than, is a subset of, includes, shadows, is the boss of.</a:t>
             </a:r>
           </a:p>
@@ -8661,11 +8651,11 @@
               </a:tabLst>
             </a:pPr>
             <a:r>
-              <a:rPr lang="en-US" sz="2800" smtClean="0"/>
+              <a:rPr lang="en-US" sz="2800"/>
               <a:t>Examples of </a:t>
             </a:r>
             <a:r>
-              <a:rPr lang="en-US" sz="2800" smtClean="0">
+              <a:rPr lang="en-US" sz="2800">
                 <a:solidFill>
                   <a:srgbClr val="FF0000"/>
                 </a:solidFill>
@@ -8673,7 +8663,7 @@
               <a:t>intransitive</a:t>
             </a:r>
             <a:r>
-              <a:rPr lang="en-US" sz="2800" smtClean="0"/>
+              <a:rPr lang="en-US" sz="2800"/>
               <a:t> relations include: is acquainted with, is a friend of, is a neighbor of, is lied to, has a du chain between.</a:t>
             </a:r>
           </a:p>
@@ -8701,7 +8691,7 @@
                 <a:tab pos="7962900" algn="l"/>
               </a:tabLst>
             </a:pPr>
-            <a:endParaRPr lang="en-US" sz="2800" smtClean="0"/>
+            <a:endParaRPr lang="en-US" sz="2800"/>
           </a:p>
         </p:txBody>
       </p:sp>
@@ -8842,11 +8832,11 @@
               </a:tabLst>
             </a:pPr>
             <a:r>
-              <a:rPr lang="en-US" smtClean="0"/>
+              <a:rPr lang="en-US"/>
               <a:t>A relation R is </a:t>
             </a:r>
             <a:r>
-              <a:rPr lang="en-US" b="1" smtClean="0">
+              <a:rPr lang="en-US" b="1">
                 <a:solidFill>
                   <a:srgbClr val="FF0000"/>
                 </a:solidFill>
@@ -8854,7 +8844,7 @@
               <a:t>reflexive</a:t>
             </a:r>
             <a:r>
-              <a:rPr lang="en-US" b="1" smtClean="0"/>
+              <a:rPr lang="en-US" b="1"/>
               <a:t> if, for every a, aRa.</a:t>
             </a:r>
           </a:p>
@@ -8878,15 +8868,15 @@
               </a:tabLst>
             </a:pPr>
             <a:r>
-              <a:rPr lang="en-US" smtClean="0"/>
+              <a:rPr lang="en-US"/>
               <a:t>A </a:t>
             </a:r>
             <a:r>
-              <a:rPr lang="en-US" u="sng" smtClean="0"/>
+              <a:rPr lang="en-US" u="sng"/>
               <a:t>reflexive relation is equivalent to a self loop at every node</a:t>
             </a:r>
             <a:r>
-              <a:rPr lang="en-US" smtClean="0"/>
+              <a:rPr lang="en-US"/>
               <a:t>.</a:t>
             </a:r>
           </a:p>
@@ -8910,7 +8900,7 @@
               </a:tabLst>
             </a:pPr>
             <a:r>
-              <a:rPr lang="en-US" smtClean="0"/>
+              <a:rPr lang="en-US"/>
               <a:t>Examples of reflexive relations include: equals, is acquainted with, is a relative of.</a:t>
             </a:r>
           </a:p>
@@ -8934,11 +8924,11 @@
               </a:tabLst>
             </a:pPr>
             <a:r>
-              <a:rPr lang="en-US" smtClean="0"/>
+              <a:rPr lang="en-US"/>
               <a:t>Examples of </a:t>
             </a:r>
             <a:r>
-              <a:rPr lang="en-US" smtClean="0">
+              <a:rPr lang="en-US">
                 <a:solidFill>
                   <a:srgbClr val="FF0000"/>
                 </a:solidFill>
@@ -8946,7 +8936,7 @@
               <a:t>irreflexive</a:t>
             </a:r>
             <a:r>
-              <a:rPr lang="en-US" smtClean="0"/>
+              <a:rPr lang="en-US"/>
               <a:t> relations include: not equals, is a friend of, is on top of, is under.</a:t>
             </a:r>
           </a:p>
@@ -9092,11 +9082,11 @@
               </a:tabLst>
             </a:pPr>
             <a:r>
-              <a:rPr lang="en-US" sz="2800" smtClean="0"/>
+              <a:rPr lang="en-US" sz="2800"/>
               <a:t>A relation R is </a:t>
             </a:r>
             <a:r>
-              <a:rPr lang="en-US" sz="2800" b="1" smtClean="0">
+              <a:rPr lang="en-US" sz="2800" b="1">
                 <a:solidFill>
                   <a:srgbClr val="FF0000"/>
                 </a:solidFill>
@@ -9104,7 +9094,7 @@
               <a:t>symmetric</a:t>
             </a:r>
             <a:r>
-              <a:rPr lang="en-US" sz="2800" b="1" smtClean="0"/>
+              <a:rPr lang="en-US" sz="2800" b="1"/>
               <a:t> if for every a and b, aRb implies bRa. </a:t>
             </a:r>
           </a:p>
@@ -9131,11 +9121,11 @@
               </a:tabLst>
             </a:pPr>
             <a:r>
-              <a:rPr lang="en-US" sz="2800" smtClean="0"/>
+              <a:rPr lang="en-US" sz="2800"/>
               <a:t>A symmetric relation mean that if </a:t>
             </a:r>
             <a:r>
-              <a:rPr lang="en-US" sz="2800" u="sng" smtClean="0"/>
+              <a:rPr lang="en-US" sz="2800" u="sng"/>
               <a:t>there is a link from a to b then there is also a link from b to a.</a:t>
             </a:r>
           </a:p>
@@ -9162,11 +9152,11 @@
               </a:tabLst>
             </a:pPr>
             <a:r>
-              <a:rPr lang="en-US" sz="2800" smtClean="0"/>
+              <a:rPr lang="en-US" sz="2800"/>
               <a:t>A graph whose relations are  not symmetric are called </a:t>
             </a:r>
             <a:r>
-              <a:rPr lang="en-US" sz="2800" smtClean="0">
+              <a:rPr lang="en-US" sz="2800">
                 <a:solidFill>
                   <a:srgbClr val="FF0000"/>
                 </a:solidFill>
@@ -9174,7 +9164,7 @@
               <a:t>directed</a:t>
             </a:r>
             <a:r>
-              <a:rPr lang="en-US" sz="2800" smtClean="0"/>
+              <a:rPr lang="en-US" sz="2800"/>
               <a:t> graph.</a:t>
             </a:r>
           </a:p>
@@ -9201,40 +9191,40 @@
               </a:tabLst>
             </a:pPr>
             <a:r>
-              <a:rPr lang="en-US" sz="2800" smtClean="0"/>
+              <a:rPr lang="en-US" sz="2800"/>
               <a:t>The </a:t>
             </a:r>
             <a:r>
-              <a:rPr lang="en-US" sz="2800" u="sng" smtClean="0"/>
+              <a:rPr lang="en-US" sz="2800" u="sng"/>
               <a:t>matrix of an undirected graph is symmetric</a:t>
             </a:r>
             <a:r>
-              <a:rPr lang="en-US" sz="2800" smtClean="0"/>
+              <a:rPr lang="en-US" sz="2800"/>
               <a:t> (a</a:t>
             </a:r>
             <a:r>
-              <a:rPr lang="en-US" sz="2800" baseline="-25000" smtClean="0"/>
+              <a:rPr lang="en-US" sz="2800" baseline="-25000"/>
               <a:t>ij</a:t>
             </a:r>
             <a:r>
-              <a:rPr lang="en-US" sz="2800" smtClean="0"/>
+              <a:rPr lang="en-US" sz="2800"/>
               <a:t>=a</a:t>
             </a:r>
             <a:r>
-              <a:rPr lang="en-US" sz="2800" baseline="-25000" smtClean="0"/>
+              <a:rPr lang="en-US" sz="2800" baseline="-25000"/>
               <a:t>ji</a:t>
             </a:r>
             <a:r>
-              <a:rPr lang="en-US" sz="2800" smtClean="0"/>
+              <a:rPr lang="en-US" sz="2800"/>
               <a:t>) for all i,j)</a:t>
             </a:r>
             <a:r>
-              <a:rPr lang="ar-SA" sz="2800" smtClean="0">
+              <a:rPr lang="ar-SA" sz="2800">
                 <a:cs typeface="Arial" pitchFamily="34" charset="0"/>
               </a:rPr>
               <a:t>‏</a:t>
             </a:r>
-            <a:endParaRPr lang="en-US" sz="2800" smtClean="0"/>
+            <a:endParaRPr lang="en-US" sz="2800"/>
           </a:p>
         </p:txBody>
       </p:sp>
@@ -9378,11 +9368,11 @@
               </a:tabLst>
             </a:pPr>
             <a:r>
-              <a:rPr lang="en-US" sz="2800" smtClean="0"/>
+              <a:rPr lang="en-US" sz="2800"/>
               <a:t>A relation R is </a:t>
             </a:r>
             <a:r>
-              <a:rPr lang="en-US" sz="2800" b="1" smtClean="0">
+              <a:rPr lang="en-US" sz="2800" b="1">
                 <a:solidFill>
                   <a:srgbClr val="FF0000"/>
                 </a:solidFill>
@@ -9390,7 +9380,7 @@
               <a:t>antisymmetric</a:t>
             </a:r>
             <a:r>
-              <a:rPr lang="en-US" sz="2800" b="1" smtClean="0"/>
+              <a:rPr lang="en-US" sz="2800" b="1"/>
               <a:t> if for every a and b, if aRb and bRa, then a=b, or they are the same elements.</a:t>
             </a:r>
           </a:p>
@@ -9417,11 +9407,11 @@
               </a:tabLst>
             </a:pPr>
             <a:r>
-              <a:rPr lang="en-US" sz="2800" smtClean="0"/>
+              <a:rPr lang="en-US" sz="2800"/>
               <a:t>Examples of </a:t>
             </a:r>
             <a:r>
-              <a:rPr lang="en-US" sz="2800" smtClean="0">
+              <a:rPr lang="en-US" sz="2800">
                 <a:solidFill>
                   <a:srgbClr val="FF0000"/>
                 </a:solidFill>
@@ -9429,7 +9419,7 @@
               <a:t>antisymmetric</a:t>
             </a:r>
             <a:r>
-              <a:rPr lang="en-US" sz="2800" smtClean="0"/>
+              <a:rPr lang="en-US" sz="2800"/>
               <a:t> relations: is greater than or equal to, is a subset of, time.</a:t>
             </a:r>
           </a:p>
@@ -9456,11 +9446,11 @@
               </a:tabLst>
             </a:pPr>
             <a:r>
-              <a:rPr lang="en-US" sz="2800" smtClean="0"/>
+              <a:rPr lang="en-US" sz="2800"/>
               <a:t>Examples of </a:t>
             </a:r>
             <a:r>
-              <a:rPr lang="en-US" sz="2800" smtClean="0">
+              <a:rPr lang="en-US" sz="2800">
                 <a:solidFill>
                   <a:srgbClr val="FF0000"/>
                 </a:solidFill>
@@ -9468,7 +9458,7 @@
               <a:t>nonantisymmetric</a:t>
             </a:r>
             <a:r>
-              <a:rPr lang="en-US" sz="2800" smtClean="0"/>
+              <a:rPr lang="en-US" sz="2800"/>
               <a:t> relations: is connected to, can be reached from, is greater than, is a relative of, is a friend of</a:t>
             </a:r>
           </a:p>
@@ -9611,7 +9601,7 @@
               </a:tabLst>
             </a:pPr>
             <a:r>
-              <a:rPr lang="en-US" sz="2800" b="1" smtClean="0">
+              <a:rPr lang="en-US" sz="2800" b="1">
                 <a:solidFill>
                   <a:srgbClr val="FF0000"/>
                 </a:solidFill>
@@ -9639,7 +9629,7 @@
               </a:tabLst>
             </a:pPr>
             <a:r>
-              <a:rPr lang="en-US" sz="2800" smtClean="0"/>
+              <a:rPr lang="en-US" sz="2800"/>
               <a:t>Equality is the most familiar example of an equivalence relation.</a:t>
             </a:r>
           </a:p>
@@ -9663,11 +9653,11 @@
               </a:tabLst>
             </a:pPr>
             <a:r>
-              <a:rPr lang="en-US" sz="2800" smtClean="0"/>
+              <a:rPr lang="en-US" sz="2800"/>
               <a:t>The idea behind </a:t>
             </a:r>
             <a:r>
-              <a:rPr lang="en-US" sz="2800" u="sng" smtClean="0">
+              <a:rPr lang="en-US" sz="2800" u="sng">
                 <a:solidFill>
                   <a:srgbClr val="FF0000"/>
                 </a:solidFill>
@@ -9675,7 +9665,7 @@
               <a:t>partition testing strategies</a:t>
             </a:r>
             <a:r>
-              <a:rPr lang="en-US" sz="2800" u="sng" smtClean="0"/>
+              <a:rPr lang="en-US" sz="2800" u="sng"/>
               <a:t> such as domain testing and path testing, is that we can partition the input space into equivalence classes.</a:t>
             </a:r>
           </a:p>
@@ -9699,7 +9689,7 @@
               </a:tabLst>
             </a:pPr>
             <a:r>
-              <a:rPr lang="en-US" sz="2800" smtClean="0"/>
+              <a:rPr lang="en-US" sz="2800"/>
               <a:t>Testing any member of the equivalence class is as effective as testing them all.</a:t>
             </a:r>
           </a:p>
@@ -9842,7 +9832,7 @@
               </a:tabLst>
             </a:pPr>
             <a:r>
-              <a:rPr lang="en-US" sz="2800" b="1" smtClean="0">
+              <a:rPr lang="en-US" sz="2800" b="1">
                 <a:solidFill>
                   <a:srgbClr val="FF0000"/>
                 </a:solidFill>
@@ -9870,11 +9860,11 @@
               </a:tabLst>
             </a:pPr>
             <a:r>
-              <a:rPr lang="en-US" sz="2800" smtClean="0"/>
+              <a:rPr lang="en-US" sz="2800"/>
               <a:t>Partial ordered graphs have several important properties: they are </a:t>
             </a:r>
             <a:r>
-              <a:rPr lang="en-US" sz="2800" u="sng" smtClean="0"/>
+              <a:rPr lang="en-US" sz="2800" u="sng"/>
               <a:t>loop free, there is at least one maximum element, there is at least one minimum element.</a:t>
             </a:r>
           </a:p>
@@ -10020,15 +10010,15 @@
               </a:tabLst>
             </a:pPr>
             <a:r>
-              <a:rPr lang="en-US" sz="2000" smtClean="0"/>
+              <a:rPr lang="en-US" sz="2000"/>
               <a:t>Graphs were introduced as an </a:t>
             </a:r>
             <a:r>
-              <a:rPr lang="en-US" sz="2000" u="sng" smtClean="0"/>
+              <a:rPr lang="en-US" sz="2000" u="sng"/>
               <a:t>abstraction of software structure</a:t>
             </a:r>
             <a:r>
-              <a:rPr lang="en-US" sz="2000" smtClean="0"/>
+              <a:rPr lang="en-US" sz="2000"/>
               <a:t>.</a:t>
             </a:r>
           </a:p>
@@ -10055,55 +10045,55 @@
               </a:tabLst>
             </a:pPr>
             <a:r>
-              <a:rPr lang="en-US" sz="2000" smtClean="0"/>
+              <a:rPr lang="en-US" sz="2000"/>
               <a:t>Whenever a graph is used as a model, sooner or later </a:t>
             </a:r>
             <a:r>
-              <a:rPr lang="en-US" sz="2000" u="sng" smtClean="0"/>
+              <a:rPr lang="en-US" sz="2000" u="sng"/>
               <a:t>we trace paths</a:t>
             </a:r>
             <a:r>
-              <a:rPr lang="en-US" sz="2000" smtClean="0"/>
+              <a:rPr lang="en-US" sz="2000"/>
               <a:t> through it- to find a set of covering paths, </a:t>
             </a:r>
             <a:r>
-              <a:rPr lang="en-US" sz="2000" u="sng" smtClean="0"/>
+              <a:rPr lang="en-US" sz="2000" u="sng"/>
               <a:t>a set of values</a:t>
             </a:r>
             <a:r>
-              <a:rPr lang="en-US" sz="2000" smtClean="0"/>
+              <a:rPr lang="en-US" sz="2000"/>
               <a:t> that will sensitize paths, the </a:t>
             </a:r>
             <a:r>
-              <a:rPr lang="en-US" sz="2000" u="sng" smtClean="0"/>
+              <a:rPr lang="en-US" sz="2000" u="sng"/>
               <a:t>logic function</a:t>
             </a:r>
             <a:r>
-              <a:rPr lang="en-US" sz="2000" smtClean="0"/>
+              <a:rPr lang="en-US" sz="2000"/>
               <a:t> that controls the flow, the </a:t>
             </a:r>
             <a:r>
-              <a:rPr lang="en-US" sz="2000" u="sng" smtClean="0"/>
+              <a:rPr lang="en-US" sz="2000" u="sng"/>
               <a:t>processing time</a:t>
             </a:r>
             <a:r>
-              <a:rPr lang="en-US" sz="2000" smtClean="0"/>
+              <a:rPr lang="en-US" sz="2000"/>
               <a:t> of the routine, the </a:t>
             </a:r>
             <a:r>
-              <a:rPr lang="en-US" sz="2000" u="sng" smtClean="0"/>
+              <a:rPr lang="en-US" sz="2000" u="sng"/>
               <a:t>equations </a:t>
             </a:r>
             <a:r>
-              <a:rPr lang="en-US" sz="2000" smtClean="0"/>
+              <a:rPr lang="en-US" sz="2000"/>
               <a:t>that define the domain, or whether </a:t>
             </a:r>
             <a:r>
-              <a:rPr lang="en-US" sz="2000" u="sng" smtClean="0"/>
+              <a:rPr lang="en-US" sz="2000" u="sng"/>
               <a:t>a state is reachable or not</a:t>
             </a:r>
             <a:r>
-              <a:rPr lang="en-US" sz="2000" smtClean="0"/>
+              <a:rPr lang="en-US" sz="2000"/>
               <a:t>.</a:t>
             </a:r>
           </a:p>
@@ -10130,11 +10120,11 @@
               </a:tabLst>
             </a:pPr>
             <a:r>
-              <a:rPr lang="en-US" sz="2000" u="sng" smtClean="0"/>
+              <a:rPr lang="en-US" sz="2000" u="sng"/>
               <a:t>Path is not easy</a:t>
             </a:r>
             <a:r>
-              <a:rPr lang="en-US" sz="2000" smtClean="0"/>
+              <a:rPr lang="en-US" sz="2000"/>
               <a:t>, and it’s subject to error. You can miss a link here and there or cover some links twice.</a:t>
             </a:r>
           </a:p>
@@ -10161,23 +10151,23 @@
               </a:tabLst>
             </a:pPr>
             <a:r>
-              <a:rPr lang="en-US" sz="2000" smtClean="0"/>
+              <a:rPr lang="en-US" sz="2000"/>
               <a:t>One solution to this problem is to represent the </a:t>
             </a:r>
             <a:r>
-              <a:rPr lang="en-US" sz="2000" u="sng" smtClean="0"/>
+              <a:rPr lang="en-US" sz="2000" u="sng"/>
               <a:t>graph as a matrix</a:t>
             </a:r>
             <a:r>
-              <a:rPr lang="en-US" sz="2000" smtClean="0"/>
+              <a:rPr lang="en-US" sz="2000"/>
               <a:t> and to use </a:t>
             </a:r>
             <a:r>
-              <a:rPr lang="en-US" sz="2000" u="sng" smtClean="0"/>
+              <a:rPr lang="en-US" sz="2000" u="sng"/>
               <a:t>matrix operations equivalent to path tracing</a:t>
             </a:r>
             <a:r>
-              <a:rPr lang="en-US" sz="2000" smtClean="0"/>
+              <a:rPr lang="en-US" sz="2000"/>
               <a:t>. These methods are more methodical and mechanical and don’t depend on your ability to see a path they are more reliable.</a:t>
             </a:r>
           </a:p>
@@ -10205,7 +10195,7 @@
                 <a:tab pos="7962900" algn="l"/>
               </a:tabLst>
             </a:pPr>
-            <a:endParaRPr lang="en-US" sz="2000" smtClean="0"/>
+            <a:endParaRPr lang="en-US" sz="2000"/>
           </a:p>
           <a:p>
             <a:pPr>
@@ -10231,7 +10221,7 @@
                 <a:tab pos="7962900" algn="l"/>
               </a:tabLst>
             </a:pPr>
-            <a:endParaRPr lang="en-US" sz="2000" smtClean="0"/>
+            <a:endParaRPr lang="en-US" sz="2000"/>
           </a:p>
         </p:txBody>
       </p:sp>
@@ -10375,7 +10365,7 @@
               </a:tabLst>
             </a:pPr>
             <a:r>
-              <a:rPr lang="en-US" sz="2800" smtClean="0"/>
+              <a:rPr lang="en-US" sz="2800"/>
               <a:t>Each entry in the graph’s matrix expresses a relation between the pair of nodes that corresponds to that entry.</a:t>
             </a:r>
           </a:p>
@@ -10402,19 +10392,19 @@
               </a:tabLst>
             </a:pPr>
             <a:r>
-              <a:rPr lang="en-US" sz="2800" u="sng" smtClean="0"/>
+              <a:rPr lang="en-US" sz="2800" u="sng"/>
               <a:t>Squaring the matrix yields a new matrix</a:t>
             </a:r>
             <a:r>
-              <a:rPr lang="en-US" sz="2800" smtClean="0"/>
+              <a:rPr lang="en-US" sz="2800"/>
               <a:t> that expresses the relation between each pair of nodes via one intermediate node under the assumption that the </a:t>
             </a:r>
             <a:r>
-              <a:rPr lang="en-US" sz="2800" u="sng" smtClean="0"/>
+              <a:rPr lang="en-US" sz="2800" u="sng"/>
               <a:t>relation is transitive</a:t>
             </a:r>
             <a:r>
-              <a:rPr lang="en-US" sz="2800" smtClean="0"/>
+              <a:rPr lang="en-US" sz="2800"/>
               <a:t>.</a:t>
             </a:r>
           </a:p>
@@ -10441,15 +10431,15 @@
               </a:tabLst>
             </a:pPr>
             <a:r>
-              <a:rPr lang="en-US" sz="2800" smtClean="0"/>
+              <a:rPr lang="en-US" sz="2800"/>
               <a:t>The </a:t>
             </a:r>
             <a:r>
-              <a:rPr lang="en-US" sz="2800" u="sng" smtClean="0"/>
+              <a:rPr lang="en-US" sz="2800" u="sng"/>
               <a:t>square of the matrix represents all path segments two links long</a:t>
             </a:r>
             <a:r>
-              <a:rPr lang="en-US" sz="2800" smtClean="0"/>
+              <a:rPr lang="en-US" sz="2800"/>
               <a:t>.</a:t>
             </a:r>
           </a:p>
@@ -10476,15 +10466,15 @@
               </a:tabLst>
             </a:pPr>
             <a:r>
-              <a:rPr lang="en-US" sz="2800" smtClean="0"/>
+              <a:rPr lang="en-US" sz="2800"/>
               <a:t>The </a:t>
             </a:r>
             <a:r>
-              <a:rPr lang="en-US" sz="2800" u="sng" smtClean="0"/>
+              <a:rPr lang="en-US" sz="2800" u="sng"/>
               <a:t>third power represents all path segments three links long</a:t>
             </a:r>
             <a:r>
-              <a:rPr lang="en-US" sz="2800" smtClean="0"/>
+              <a:rPr lang="en-US" sz="2800"/>
               <a:t>.</a:t>
             </a:r>
           </a:p>
@@ -10512,7 +10502,7 @@
                 <a:tab pos="7962900" algn="l"/>
               </a:tabLst>
             </a:pPr>
-            <a:endParaRPr lang="en-US" sz="2800" smtClean="0"/>
+            <a:endParaRPr lang="en-US" sz="2800"/>
           </a:p>
         </p:txBody>
       </p:sp>
@@ -10608,7 +10598,7 @@
               </a:tabLst>
             </a:pPr>
             <a:r>
-              <a:rPr lang="en-US" b="1" cap="none" smtClean="0"/>
+              <a:rPr lang="en-US" b="1" cap="none"/>
               <a:t>MATRIX POWERS AND PRODUCTS</a:t>
             </a:r>
           </a:p>
@@ -10656,7 +10646,7 @@
               </a:tabLst>
             </a:pPr>
             <a:r>
-              <a:rPr lang="en-US" sz="2800" smtClean="0"/>
+              <a:rPr lang="en-US" sz="2800"/>
               <a:t>Given a matrix whose entries are aij, the square of that matrix is obtained by replacing every entry with </a:t>
             </a:r>
           </a:p>
@@ -10689,11 +10679,11 @@
               </a:tabLst>
             </a:pPr>
             <a:r>
-              <a:rPr lang="en-US" sz="2800" smtClean="0"/>
+              <a:rPr lang="en-US" sz="2800"/>
               <a:t>			      </a:t>
             </a:r>
             <a:r>
-              <a:rPr lang="en-US" sz="1800" smtClean="0"/>
+              <a:rPr lang="en-US" sz="1800"/>
               <a:t>n</a:t>
             </a:r>
           </a:p>
@@ -10726,35 +10716,35 @@
               </a:tabLst>
             </a:pPr>
             <a:r>
-              <a:rPr lang="en-US" sz="2800" smtClean="0"/>
+              <a:rPr lang="en-US" sz="2800"/>
               <a:t>			a</a:t>
             </a:r>
             <a:r>
-              <a:rPr lang="en-US" sz="2800" baseline="-25000" smtClean="0"/>
+              <a:rPr lang="en-US" sz="2800" baseline="-25000"/>
               <a:t>ij</a:t>
             </a:r>
             <a:r>
-              <a:rPr lang="en-US" sz="2800" smtClean="0"/>
+              <a:rPr lang="en-US" sz="2800"/>
               <a:t>=</a:t>
             </a:r>
             <a:r>
-              <a:rPr lang="el-GR" sz="2800" smtClean="0"/>
+              <a:rPr lang="el-GR" sz="2800"/>
               <a:t>Σ</a:t>
             </a:r>
             <a:r>
-              <a:rPr lang="en-US" sz="2800" smtClean="0"/>
+              <a:rPr lang="en-US" sz="2800"/>
               <a:t> a</a:t>
             </a:r>
             <a:r>
-              <a:rPr lang="en-US" sz="2800" baseline="-25000" smtClean="0"/>
+              <a:rPr lang="en-US" sz="2800" baseline="-25000"/>
               <a:t>ik</a:t>
             </a:r>
             <a:r>
-              <a:rPr lang="en-US" sz="2800" smtClean="0"/>
+              <a:rPr lang="en-US" sz="2800"/>
               <a:t> a</a:t>
             </a:r>
             <a:r>
-              <a:rPr lang="en-US" sz="2800" baseline="-25000" smtClean="0"/>
+              <a:rPr lang="en-US" sz="2800" baseline="-25000"/>
               <a:t>kj</a:t>
             </a:r>
           </a:p>
@@ -10787,7 +10777,7 @@
               </a:tabLst>
             </a:pPr>
             <a:r>
-              <a:rPr lang="en-US" sz="2800" baseline="-25000" smtClean="0"/>
+              <a:rPr lang="en-US" sz="2800" baseline="-25000"/>
               <a:t>			       k=1	</a:t>
             </a:r>
           </a:p>
@@ -10819,7 +10809,7 @@
                 <a:tab pos="7962900" algn="l"/>
               </a:tabLst>
             </a:pPr>
-            <a:endParaRPr lang="en-US" sz="2800" baseline="-25000" smtClean="0"/>
+            <a:endParaRPr lang="en-US" sz="2800" baseline="-25000"/>
           </a:p>
           <a:p>
             <a:pPr>
@@ -10844,7 +10834,7 @@
               </a:tabLst>
             </a:pPr>
             <a:r>
-              <a:rPr lang="en-US" sz="2800" smtClean="0"/>
+              <a:rPr lang="en-US" sz="2800"/>
               <a:t>more generally, given two matrices A and B with entries aik and bkj, respectively, their product is a new matrix C, whose entries are cij, where: </a:t>
             </a:r>
           </a:p>
@@ -10877,11 +10867,11 @@
               </a:tabLst>
             </a:pPr>
             <a:r>
-              <a:rPr lang="en-US" sz="2800" smtClean="0"/>
+              <a:rPr lang="en-US" sz="2800"/>
               <a:t>                      </a:t>
             </a:r>
             <a:r>
-              <a:rPr lang="en-US" sz="1800" smtClean="0"/>
+              <a:rPr lang="en-US" sz="1800"/>
               <a:t>n</a:t>
             </a:r>
           </a:p>
@@ -10914,35 +10904,35 @@
               </a:tabLst>
             </a:pPr>
             <a:r>
-              <a:rPr lang="en-US" sz="2800" smtClean="0"/>
+              <a:rPr lang="en-US" sz="2800"/>
               <a:t>			C</a:t>
             </a:r>
             <a:r>
-              <a:rPr lang="en-US" sz="2800" baseline="-25000" smtClean="0"/>
+              <a:rPr lang="en-US" sz="2800" baseline="-25000"/>
               <a:t>ij</a:t>
             </a:r>
             <a:r>
-              <a:rPr lang="en-US" sz="2800" smtClean="0"/>
+              <a:rPr lang="en-US" sz="2800"/>
               <a:t>=</a:t>
             </a:r>
             <a:r>
-              <a:rPr lang="el-GR" sz="2800" smtClean="0"/>
+              <a:rPr lang="el-GR" sz="2800"/>
               <a:t>Σ</a:t>
             </a:r>
             <a:r>
-              <a:rPr lang="en-US" sz="2800" smtClean="0"/>
+              <a:rPr lang="en-US" sz="2800"/>
               <a:t> a</a:t>
             </a:r>
             <a:r>
-              <a:rPr lang="en-US" sz="2800" baseline="-25000" smtClean="0"/>
+              <a:rPr lang="en-US" sz="2800" baseline="-25000"/>
               <a:t>ik</a:t>
             </a:r>
             <a:r>
-              <a:rPr lang="en-US" sz="2800" smtClean="0"/>
+              <a:rPr lang="en-US" sz="2800"/>
               <a:t> b</a:t>
             </a:r>
             <a:r>
-              <a:rPr lang="en-US" sz="2800" baseline="-25000" smtClean="0"/>
+              <a:rPr lang="en-US" sz="2800" baseline="-25000"/>
               <a:t>kj</a:t>
             </a:r>
           </a:p>
@@ -10975,7 +10965,7 @@
               </a:tabLst>
             </a:pPr>
             <a:r>
-              <a:rPr lang="en-US" sz="2800" baseline="-25000" smtClean="0"/>
+              <a:rPr lang="en-US" sz="2800" baseline="-25000"/>
               <a:t>			       k=1	</a:t>
             </a:r>
           </a:p>
@@ -11007,7 +10997,7 @@
                 <a:tab pos="7962900" algn="l"/>
               </a:tabLst>
             </a:pPr>
-            <a:endParaRPr lang="en-US" sz="2800" baseline="-25000" smtClean="0"/>
+            <a:endParaRPr lang="en-US" sz="2800" baseline="-25000"/>
           </a:p>
           <a:p>
             <a:pPr>
@@ -11037,7 +11027,7 @@
                 <a:tab pos="7962900" algn="l"/>
               </a:tabLst>
             </a:pPr>
-            <a:endParaRPr lang="en-US" sz="2800" baseline="-25000" smtClean="0"/>
+            <a:endParaRPr lang="en-US" sz="2800" baseline="-25000"/>
           </a:p>
         </p:txBody>
       </p:sp>
@@ -11133,7 +11123,7 @@
               </a:tabLst>
             </a:pPr>
             <a:r>
-              <a:rPr lang="en-US" sz="3600" b="1" cap="none" dirty="0" smtClean="0"/>
+              <a:rPr lang="en-US" sz="3600" b="1" cap="none" dirty="0"/>
               <a:t>PARTITIONING ALGORITHM</a:t>
             </a:r>
           </a:p>
@@ -11178,7 +11168,7 @@
               </a:tabLst>
             </a:pPr>
             <a:r>
-              <a:rPr lang="en-US" sz="2800" dirty="0" smtClean="0"/>
+              <a:rPr lang="en-US" sz="2800" dirty="0"/>
               <a:t>Consider any graph over a transitive relation. The graph may have loops.</a:t>
             </a:r>
           </a:p>
@@ -11202,7 +11192,7 @@
               </a:tabLst>
             </a:pPr>
             <a:r>
-              <a:rPr lang="en-US" sz="2800" dirty="0" smtClean="0"/>
+              <a:rPr lang="en-US" sz="2800" dirty="0"/>
               <a:t>We would like to partition the graph by grouping nodes in such a way that every loop is contained within one group or another.</a:t>
             </a:r>
           </a:p>
@@ -11226,7 +11216,7 @@
               </a:tabLst>
             </a:pPr>
             <a:r>
-              <a:rPr lang="en-US" sz="2800" dirty="0" smtClean="0"/>
+              <a:rPr lang="en-US" sz="2800" dirty="0"/>
               <a:t>Such a graph is partially ordered.</a:t>
             </a:r>
           </a:p>
@@ -11250,7 +11240,7 @@
               </a:tabLst>
             </a:pPr>
             <a:r>
-              <a:rPr lang="en-US" sz="2800" dirty="0" smtClean="0"/>
+              <a:rPr lang="en-US" sz="2800" dirty="0"/>
               <a:t>There are many uses for an algorithm that does that:</a:t>
             </a:r>
           </a:p>
@@ -11274,15 +11264,15 @@
               </a:tabLst>
             </a:pPr>
             <a:r>
-              <a:rPr lang="en-US" sz="2800" dirty="0" smtClean="0"/>
+              <a:rPr lang="en-US" sz="2800" dirty="0"/>
               <a:t>We might want to embed the loops within a subroutine so as to have a resulting graph which is </a:t>
             </a:r>
             <a:r>
-              <a:rPr lang="en-US" sz="2800" b="1" u="sng" dirty="0" smtClean="0"/>
+              <a:rPr lang="en-US" sz="2800" b="1" u="sng" dirty="0"/>
               <a:t>loop free</a:t>
             </a:r>
             <a:r>
-              <a:rPr lang="en-US" sz="2800" dirty="0" smtClean="0"/>
+              <a:rPr lang="en-US" sz="2800" dirty="0"/>
               <a:t> at the top level.</a:t>
             </a:r>
           </a:p>
@@ -11306,7 +11296,7 @@
               </a:tabLst>
             </a:pPr>
             <a:r>
-              <a:rPr lang="en-US" sz="2800" dirty="0" smtClean="0"/>
+              <a:rPr lang="en-US" sz="2800" dirty="0"/>
               <a:t>Many graphs with loops are easy to analyze if you know where to break the loops.</a:t>
             </a:r>
           </a:p>
@@ -11404,16 +11394,16 @@
               </a:tabLst>
             </a:pPr>
             <a:r>
-              <a:rPr lang="en-US" b="1" cap="none" smtClean="0"/>
+              <a:rPr lang="en-US" b="1" cap="none"/>
               <a:t>NODE REDUCTION ALGORITHM (GENERAL)</a:t>
             </a:r>
             <a:r>
-              <a:rPr lang="ar-SA" b="1" cap="none" smtClean="0">
+              <a:rPr lang="ar-SA" b="1" cap="none">
                 <a:cs typeface="Arial" pitchFamily="34" charset="0"/>
               </a:rPr>
               <a:t>‏</a:t>
             </a:r>
-            <a:endParaRPr lang="en-US" b="1" cap="none" smtClean="0"/>
+            <a:endParaRPr lang="en-US" b="1" cap="none"/>
           </a:p>
         </p:txBody>
       </p:sp>
@@ -11459,7 +11449,7 @@
               </a:tabLst>
             </a:pPr>
             <a:r>
-              <a:rPr lang="en-US" sz="2800" smtClean="0"/>
+              <a:rPr lang="en-US" sz="2800"/>
               <a:t>The matrix powers usually tell us more than we want to know about most graphs. </a:t>
             </a:r>
           </a:p>
@@ -11486,23 +11476,23 @@
               </a:tabLst>
             </a:pPr>
             <a:r>
-              <a:rPr lang="en-US" sz="2800" smtClean="0"/>
+              <a:rPr lang="en-US" sz="2800"/>
               <a:t>In the </a:t>
             </a:r>
             <a:r>
-              <a:rPr lang="en-US" sz="2800" u="sng" smtClean="0"/>
+              <a:rPr lang="en-US" sz="2800" u="sng"/>
               <a:t>context of testing</a:t>
             </a:r>
             <a:r>
-              <a:rPr lang="en-US" sz="2800" smtClean="0"/>
+              <a:rPr lang="en-US" sz="2800"/>
               <a:t>, we are usually interested in </a:t>
             </a:r>
             <a:r>
-              <a:rPr lang="en-US" sz="2800" u="sng" smtClean="0"/>
+              <a:rPr lang="en-US" sz="2800" u="sng"/>
               <a:t>establishing a relation between two nodes-typically the entry and the exit</a:t>
             </a:r>
             <a:r>
-              <a:rPr lang="en-US" sz="2800" smtClean="0"/>
+              <a:rPr lang="en-US" sz="2800"/>
               <a:t> nodes.</a:t>
             </a:r>
           </a:p>
@@ -11529,31 +11519,31 @@
               </a:tabLst>
             </a:pPr>
             <a:r>
-              <a:rPr lang="en-US" sz="2800" smtClean="0"/>
+              <a:rPr lang="en-US" sz="2800"/>
               <a:t>In the </a:t>
             </a:r>
             <a:r>
-              <a:rPr lang="en-US" sz="2800" u="sng" smtClean="0"/>
+              <a:rPr lang="en-US" sz="2800" u="sng"/>
               <a:t>debugging context</a:t>
             </a:r>
             <a:r>
-              <a:rPr lang="en-US" sz="2800" smtClean="0"/>
+              <a:rPr lang="en-US" sz="2800"/>
               <a:t>, it is </a:t>
             </a:r>
             <a:r>
-              <a:rPr lang="en-US" sz="2800" u="sng" smtClean="0"/>
+              <a:rPr lang="en-US" sz="2800" u="sng"/>
               <a:t>unlikely</a:t>
             </a:r>
             <a:r>
-              <a:rPr lang="en-US" sz="2800" smtClean="0"/>
+              <a:rPr lang="en-US" sz="2800"/>
               <a:t> that we would want </a:t>
             </a:r>
             <a:r>
-              <a:rPr lang="en-US" sz="2800" u="sng" smtClean="0"/>
+              <a:rPr lang="en-US" sz="2800" u="sng"/>
               <a:t>to know the path expression</a:t>
             </a:r>
             <a:r>
-              <a:rPr lang="en-US" sz="2800" smtClean="0"/>
+              <a:rPr lang="en-US" sz="2800"/>
               <a:t> between every node and every other node.</a:t>
             </a:r>
           </a:p>
@@ -11580,31 +11570,31 @@
               </a:tabLst>
             </a:pPr>
             <a:r>
-              <a:rPr lang="en-US" sz="2800" smtClean="0"/>
+              <a:rPr lang="en-US" sz="2800"/>
               <a:t>The </a:t>
             </a:r>
             <a:r>
-              <a:rPr lang="en-US" sz="2800" u="sng" smtClean="0"/>
+              <a:rPr lang="en-US" sz="2800" u="sng"/>
               <a:t>advantage of matrix reduction method</a:t>
             </a:r>
             <a:r>
-              <a:rPr lang="en-US" sz="2800" smtClean="0"/>
+              <a:rPr lang="en-US" sz="2800"/>
               <a:t> is that it is </a:t>
             </a:r>
             <a:r>
-              <a:rPr lang="en-US" sz="2800" u="sng" smtClean="0"/>
+              <a:rPr lang="en-US" sz="2800" u="sng"/>
               <a:t>more methodical than the graphical</a:t>
             </a:r>
             <a:r>
-              <a:rPr lang="en-US" sz="2800" smtClean="0"/>
+              <a:rPr lang="en-US" sz="2800"/>
               <a:t> method called as </a:t>
             </a:r>
             <a:r>
-              <a:rPr lang="en-US" sz="2800" u="sng" smtClean="0"/>
+              <a:rPr lang="en-US" sz="2800" u="sng"/>
               <a:t>node by node removal algorithm</a:t>
             </a:r>
             <a:r>
-              <a:rPr lang="en-US" sz="2800" smtClean="0"/>
+              <a:rPr lang="en-US" sz="2800"/>
               <a:t>.</a:t>
             </a:r>
           </a:p>
@@ -11702,16 +11692,16 @@
               </a:tabLst>
             </a:pPr>
             <a:r>
-              <a:rPr lang="en-US" b="1" cap="none" dirty="0" smtClean="0"/>
+              <a:rPr lang="en-US" b="1" cap="none" dirty="0"/>
               <a:t>NODE REDUCTION ALGORITHM (GENERAL)</a:t>
             </a:r>
             <a:r>
-              <a:rPr lang="ar-SA" b="1" cap="none" dirty="0" smtClean="0">
+              <a:rPr lang="ar-SA" b="1" cap="none" dirty="0">
                 <a:cs typeface="Arial" pitchFamily="34" charset="0"/>
               </a:rPr>
               <a:t>‏</a:t>
             </a:r>
-            <a:endParaRPr lang="en-US" b="1" cap="none" dirty="0" smtClean="0"/>
+            <a:endParaRPr lang="en-US" b="1" cap="none" dirty="0"/>
           </a:p>
         </p:txBody>
       </p:sp>
@@ -11763,7 +11753,7 @@
               </a:tabLst>
             </a:pPr>
             <a:r>
-              <a:rPr lang="en-US" sz="2800" smtClean="0"/>
+              <a:rPr lang="en-US" sz="2800"/>
               <a:t>Select a node for removal; replace the node by equivalent links that bypass that node and add those links to the links they are in parallel.</a:t>
             </a:r>
           </a:p>
@@ -11796,7 +11786,7 @@
               </a:tabLst>
             </a:pPr>
             <a:r>
-              <a:rPr lang="en-US" sz="2800" smtClean="0"/>
+              <a:rPr lang="en-US" sz="2800"/>
               <a:t>Combine the parallel terms and simplify as you can.</a:t>
             </a:r>
           </a:p>
@@ -11829,7 +11819,7 @@
               </a:tabLst>
             </a:pPr>
             <a:r>
-              <a:rPr lang="en-US" sz="2800" smtClean="0"/>
+              <a:rPr lang="en-US" sz="2800"/>
               <a:t>Observe loop terms and adjust the outlinks of every node that had a self loop to account for the effect of the loop.</a:t>
             </a:r>
           </a:p>
@@ -11862,7 +11852,7 @@
               </a:tabLst>
             </a:pPr>
             <a:r>
-              <a:rPr lang="en-US" sz="2800" smtClean="0"/>
+              <a:rPr lang="en-US" sz="2800"/>
               <a:t>The result is a matrix whose size has been reduced by 1. Continue until only the two nodes of interest exist.</a:t>
             </a:r>
           </a:p>
@@ -11894,7 +11884,7 @@
                 <a:tab pos="7962900" algn="l"/>
               </a:tabLst>
             </a:pPr>
-            <a:endParaRPr lang="en-US" sz="2800" smtClean="0"/>
+            <a:endParaRPr lang="en-US" sz="2800"/>
           </a:p>
         </p:txBody>
       </p:sp>
@@ -11967,7 +11957,7 @@
           <a:lstStyle/>
           <a:p>
             <a:r>
-              <a:rPr lang="en-US" smtClean="0"/>
+              <a:rPr lang="en-US"/>
               <a:t>Example:</a:t>
             </a:r>
           </a:p>
@@ -11995,7 +11985,7 @@
               <a:pPr/>
               <a:t>25</a:t>
             </a:fld>
-            <a:endParaRPr lang="en-US" smtClean="0"/>
+            <a:endParaRPr lang="en-US"/>
           </a:p>
         </p:txBody>
       </p:sp>
@@ -12117,7 +12107,7 @@
               <a:pPr/>
               <a:t>26</a:t>
             </a:fld>
-            <a:endParaRPr lang="en-US" smtClean="0"/>
+            <a:endParaRPr lang="en-US"/>
           </a:p>
         </p:txBody>
       </p:sp>
@@ -12235,27 +12225,23 @@
           <a:lstStyle/>
           <a:p>
             <a:r>
-              <a:rPr lang="en-US" sz="2000" dirty="0" smtClean="0"/>
+              <a:rPr lang="en-US" sz="2000" dirty="0"/>
               <a:t>Steps 2 to 3: Node Removal and Replacement with Equivalent Links</a:t>
             </a:r>
             <a:br>
-              <a:rPr lang="en-US" sz="2000" dirty="0" smtClean="0"/>
+              <a:rPr lang="en-US" sz="2000" dirty="0"/>
             </a:br>
             <a:r>
-              <a:rPr lang="en-US" sz="2000" dirty="0" smtClean="0"/>
+              <a:rPr lang="en-US" sz="2000" dirty="0"/>
               <a:t>In this step, we select one node for removal at a time and identify equivalent links that bypass that node. Then, we replace the intersection of the node by equivalent links.</a:t>
             </a:r>
           </a:p>
           <a:p>
-            <a:r>
-              <a:rPr lang="en-US" sz="2000" dirty="0" smtClean="0"/>
-              <a:t/>
-            </a:r>
             <a:br>
-              <a:rPr lang="en-US" sz="2000" dirty="0" smtClean="0"/>
+              <a:rPr lang="en-US" sz="2000" dirty="0"/>
             </a:br>
             <a:r>
-              <a:rPr lang="en-US" sz="2000" dirty="0" smtClean="0">
+              <a:rPr lang="en-US" sz="2000" dirty="0">
                 <a:solidFill>
                   <a:srgbClr val="FF0000"/>
                 </a:solidFill>
@@ -12263,20 +12249,20 @@
               <a:t>Here, first of all we shall remove the node with self-loop</a:t>
             </a:r>
             <a:r>
-              <a:rPr lang="en-US" sz="2000" dirty="0" smtClean="0"/>
+              <a:rPr lang="en-US" sz="2000" dirty="0"/>
               <a:t>. In the given matrix, node 7 has self loop in the form link e. We remove this link by identifying equivalent link </a:t>
             </a:r>
             <a:r>
-              <a:rPr lang="en-US" sz="2000" dirty="0" err="1" smtClean="0"/>
+              <a:rPr lang="en-US" sz="2000" dirty="0" err="1"/>
               <a:t>ef</a:t>
             </a:r>
             <a:r>
-              <a:rPr lang="en-US" sz="2000" dirty="0" smtClean="0"/>
+              <a:rPr lang="en-US" sz="2000" dirty="0"/>
               <a:t> that bypass that node and connects node 8. By doing this, we arrive at following matrix:</a:t>
             </a:r>
           </a:p>
           <a:p>
-            <a:endParaRPr lang="en-US" dirty="0" smtClean="0"/>
+            <a:endParaRPr lang="en-US" dirty="0"/>
           </a:p>
         </p:txBody>
       </p:sp>
@@ -12302,7 +12288,7 @@
               <a:pPr/>
               <a:t>27</a:t>
             </a:fld>
-            <a:endParaRPr lang="en-US" smtClean="0"/>
+            <a:endParaRPr lang="en-US"/>
           </a:p>
         </p:txBody>
       </p:sp>
@@ -12353,7 +12339,7 @@
               <a:pPr/>
               <a:t>28</a:t>
             </a:fld>
-            <a:endParaRPr lang="en-US" smtClean="0"/>
+            <a:endParaRPr lang="en-US"/>
           </a:p>
         </p:txBody>
       </p:sp>
@@ -12422,13 +12408,13 @@
           <a:lstStyle/>
           <a:p>
             <a:r>
-              <a:rPr lang="en-US" sz="2400" smtClean="0"/>
+              <a:rPr lang="en-US" sz="2400"/>
               <a:t>After removing self-loops, we observe parallel links from node 3 to 6, one via node4 and another via node 5. </a:t>
             </a:r>
           </a:p>
           <a:p>
             <a:r>
-              <a:rPr lang="en-US" sz="2400" smtClean="0"/>
+              <a:rPr lang="en-US" sz="2400"/>
               <a:t>We remove both node 4 and node 5, by adding link bc and link hi between node 3 to 6 that are parallel to get bc+hi. Then we replace this value at intersection of 3 node 3 and 6. By doing this, we get:</a:t>
             </a:r>
           </a:p>
@@ -12456,7 +12442,7 @@
               <a:pPr/>
               <a:t>29</a:t>
             </a:fld>
-            <a:endParaRPr lang="en-US" smtClean="0"/>
+            <a:endParaRPr lang="en-US"/>
           </a:p>
         </p:txBody>
       </p:sp>
@@ -12569,7 +12555,7 @@
               </a:tabLst>
             </a:pPr>
             <a:r>
-              <a:rPr lang="en-US" sz="2800" smtClean="0"/>
+              <a:rPr lang="en-US" sz="2800"/>
               <a:t>The basic tool kit consists of:</a:t>
             </a:r>
           </a:p>
@@ -12593,7 +12579,7 @@
               </a:tabLst>
             </a:pPr>
             <a:r>
-              <a:rPr lang="en-US" sz="2800" b="1" u="sng" smtClean="0">
+              <a:rPr lang="en-US" sz="2800" b="1" u="sng">
                 <a:solidFill>
                   <a:srgbClr val="FF0000"/>
                 </a:solidFill>
@@ -12601,7 +12587,7 @@
               <a:t>Matrix multiplication</a:t>
             </a:r>
             <a:r>
-              <a:rPr lang="en-US" sz="2800" smtClean="0">
+              <a:rPr lang="en-US" sz="2800">
                 <a:solidFill>
                   <a:srgbClr val="FF0000"/>
                 </a:solidFill>
@@ -12609,7 +12595,7 @@
               <a:t>, which is used to </a:t>
             </a:r>
             <a:r>
-              <a:rPr lang="en-US" sz="2800" u="sng" smtClean="0">
+              <a:rPr lang="en-US" sz="2800" u="sng">
                 <a:solidFill>
                   <a:srgbClr val="FF0000"/>
                 </a:solidFill>
@@ -12617,7 +12603,7 @@
               <a:t>get the path expression from every node to every other node</a:t>
             </a:r>
             <a:r>
-              <a:rPr lang="en-US" sz="2800" smtClean="0">
+              <a:rPr lang="en-US" sz="2800">
                 <a:solidFill>
                   <a:srgbClr val="FF0000"/>
                 </a:solidFill>
@@ -12645,7 +12631,7 @@
               </a:tabLst>
             </a:pPr>
             <a:r>
-              <a:rPr lang="en-US" sz="2800" smtClean="0">
+              <a:rPr lang="en-US" sz="2800">
                 <a:solidFill>
                   <a:srgbClr val="FF0000"/>
                 </a:solidFill>
@@ -12653,7 +12639,7 @@
               <a:t>A </a:t>
             </a:r>
             <a:r>
-              <a:rPr lang="en-US" sz="2800" b="1" u="sng" smtClean="0">
+              <a:rPr lang="en-US" sz="2800" b="1" u="sng">
                 <a:solidFill>
                   <a:srgbClr val="FF0000"/>
                 </a:solidFill>
@@ -12661,7 +12647,7 @@
               <a:t>partitioning algorithm</a:t>
             </a:r>
             <a:r>
-              <a:rPr lang="en-US" sz="2800" smtClean="0">
+              <a:rPr lang="en-US" sz="2800">
                 <a:solidFill>
                   <a:srgbClr val="FF0000"/>
                 </a:solidFill>
@@ -12669,7 +12655,7 @@
               <a:t> for </a:t>
             </a:r>
             <a:r>
-              <a:rPr lang="en-US" sz="2800" u="sng" smtClean="0">
+              <a:rPr lang="en-US" sz="2800" u="sng">
                 <a:solidFill>
                   <a:srgbClr val="FF0000"/>
                 </a:solidFill>
@@ -12677,7 +12663,7 @@
               <a:t>converting</a:t>
             </a:r>
             <a:r>
-              <a:rPr lang="en-US" sz="2800" smtClean="0">
+              <a:rPr lang="en-US" sz="2800">
                 <a:solidFill>
                   <a:srgbClr val="FF0000"/>
                 </a:solidFill>
@@ -12685,7 +12671,7 @@
               <a:t> </a:t>
             </a:r>
             <a:r>
-              <a:rPr lang="en-US" sz="2800" u="sng" smtClean="0">
+              <a:rPr lang="en-US" sz="2800" u="sng">
                 <a:solidFill>
                   <a:srgbClr val="FF0000"/>
                 </a:solidFill>
@@ -12693,7 +12679,7 @@
               <a:t>graphs with loops into loop free graphs</a:t>
             </a:r>
             <a:r>
-              <a:rPr lang="en-US" sz="2800" smtClean="0">
+              <a:rPr lang="en-US" sz="2800">
                 <a:solidFill>
                   <a:srgbClr val="FF0000"/>
                 </a:solidFill>
@@ -12721,7 +12707,7 @@
               </a:tabLst>
             </a:pPr>
             <a:r>
-              <a:rPr lang="en-US" sz="2800" smtClean="0">
+              <a:rPr lang="en-US" sz="2800">
                 <a:solidFill>
                   <a:srgbClr val="FF0000"/>
                 </a:solidFill>
@@ -12729,7 +12715,7 @@
               <a:t>A </a:t>
             </a:r>
             <a:r>
-              <a:rPr lang="en-US" sz="2800" b="1" u="sng" smtClean="0">
+              <a:rPr lang="en-US" sz="2800" b="1" u="sng">
                 <a:solidFill>
                   <a:srgbClr val="FF0000"/>
                 </a:solidFill>
@@ -12737,7 +12723,7 @@
               <a:t>collapsing process</a:t>
             </a:r>
             <a:r>
-              <a:rPr lang="en-US" sz="2800" smtClean="0">
+              <a:rPr lang="en-US" sz="2800">
                 <a:solidFill>
                   <a:srgbClr val="FF0000"/>
                 </a:solidFill>
@@ -12745,7 +12731,7 @@
               <a:t> which gets the </a:t>
             </a:r>
             <a:r>
-              <a:rPr lang="en-US" sz="2800" u="sng" smtClean="0">
+              <a:rPr lang="en-US" sz="2800" u="sng">
                 <a:solidFill>
                   <a:srgbClr val="FF0000"/>
                 </a:solidFill>
@@ -12753,7 +12739,7 @@
               <a:t>path expression from any node to any other node</a:t>
             </a:r>
             <a:r>
-              <a:rPr lang="en-US" sz="2800" smtClean="0">
+              <a:rPr lang="en-US" sz="2800">
                 <a:solidFill>
                   <a:srgbClr val="FF0000"/>
                 </a:solidFill>
@@ -12838,7 +12824,7 @@
               <a:pPr/>
               <a:t>30</a:t>
             </a:fld>
-            <a:endParaRPr lang="en-US" smtClean="0"/>
+            <a:endParaRPr lang="en-US"/>
           </a:p>
         </p:txBody>
       </p:sp>
@@ -12913,7 +12899,7 @@
               <a:pPr/>
               <a:t>31</a:t>
             </a:fld>
-            <a:endParaRPr lang="en-US" smtClean="0"/>
+            <a:endParaRPr lang="en-US"/>
           </a:p>
         </p:txBody>
       </p:sp>
@@ -13567,10 +13553,6 @@
               <a:rPr lang="en-US" sz="3200" b="1"/>
               <a:t>When You Should NOT Consider Test Automation</a:t>
             </a:r>
-            <a:r>
-              <a:rPr lang="en-US" sz="3200"/>
-              <a:t/>
-            </a:r>
             <a:br>
               <a:rPr lang="en-US" sz="3200"/>
             </a:br>
@@ -13643,13 +13625,6 @@
   <p:clrMapOvr>
     <a:masterClrMapping/>
   </p:clrMapOvr>
-  <p:timing>
-    <p:tnLst>
-      <p:par>
-        <p:cTn id="1" dur="indefinite" restart="never" nodeType="tmRoot"/>
-      </p:par>
-    </p:tnLst>
-  </p:timing>
 </p:sld>
 </file>
 
@@ -13769,7 +13744,7 @@
               </a:tabLst>
             </a:pPr>
             <a:r>
-              <a:rPr lang="en-US" cap="none" smtClean="0"/>
+              <a:rPr lang="en-US" cap="none"/>
               <a:t>THE MATRIX OF A GRAPH</a:t>
             </a:r>
           </a:p>
@@ -13817,23 +13792,23 @@
               </a:tabLst>
             </a:pPr>
             <a:r>
-              <a:rPr lang="en-US" sz="2800" smtClean="0"/>
+              <a:rPr lang="en-US" sz="2800"/>
               <a:t>A </a:t>
             </a:r>
             <a:r>
-              <a:rPr lang="en-US" sz="2800" u="sng" smtClean="0"/>
+              <a:rPr lang="en-US" sz="2800" u="sng"/>
               <a:t>graph matrix is a square array</a:t>
             </a:r>
             <a:r>
-              <a:rPr lang="en-US" sz="2800" smtClean="0"/>
+              <a:rPr lang="en-US" sz="2800"/>
               <a:t> with </a:t>
             </a:r>
             <a:r>
-              <a:rPr lang="en-US" sz="2800" u="sng" smtClean="0"/>
+              <a:rPr lang="en-US" sz="2800" u="sng"/>
               <a:t>one row and one column for every node</a:t>
             </a:r>
             <a:r>
-              <a:rPr lang="en-US" sz="2800" smtClean="0"/>
+              <a:rPr lang="en-US" sz="2800"/>
               <a:t> in the graph.</a:t>
             </a:r>
           </a:p>
@@ -13860,15 +13835,15 @@
               </a:tabLst>
             </a:pPr>
             <a:r>
-              <a:rPr lang="en-US" sz="2800" smtClean="0"/>
+              <a:rPr lang="en-US" sz="2800"/>
               <a:t>Each </a:t>
             </a:r>
             <a:r>
-              <a:rPr lang="en-US" sz="2800" u="sng" smtClean="0"/>
+              <a:rPr lang="en-US" sz="2800" u="sng"/>
               <a:t>row-column combination</a:t>
             </a:r>
             <a:r>
-              <a:rPr lang="en-US" sz="2800" smtClean="0"/>
+              <a:rPr lang="en-US" sz="2800"/>
               <a:t> corresponds to a relation between the node corresponding to the row and the node corresponding to the column.</a:t>
             </a:r>
           </a:p>
@@ -13895,23 +13870,23 @@
               </a:tabLst>
             </a:pPr>
             <a:r>
-              <a:rPr lang="en-US" sz="2800" smtClean="0"/>
+              <a:rPr lang="en-US" sz="2800"/>
               <a:t>The </a:t>
             </a:r>
             <a:r>
-              <a:rPr lang="en-US" sz="2800" u="sng" smtClean="0"/>
+              <a:rPr lang="en-US" sz="2800" u="sng"/>
               <a:t>relation</a:t>
             </a:r>
             <a:r>
-              <a:rPr lang="en-US" sz="2800" smtClean="0"/>
+              <a:rPr lang="en-US" sz="2800"/>
               <a:t> for example, </a:t>
             </a:r>
             <a:r>
-              <a:rPr lang="en-US" sz="2800" u="sng" smtClean="0"/>
+              <a:rPr lang="en-US" sz="2800" u="sng"/>
               <a:t>could be as simple as the link name</a:t>
             </a:r>
             <a:r>
-              <a:rPr lang="en-US" sz="2800" smtClean="0"/>
+              <a:rPr lang="en-US" sz="2800"/>
               <a:t>, if there is a link between the nodes.</a:t>
             </a:r>
           </a:p>
@@ -14397,10 +14372,9 @@
           <a:lstStyle/>
           <a:p>
             <a:r>
-              <a:rPr lang="en-US" dirty="0" smtClean="0"/>
+              <a:rPr lang="en-US" dirty="0"/>
               <a:t>Load Runner</a:t>
             </a:r>
-            <a:endParaRPr lang="en-US" dirty="0"/>
           </a:p>
         </p:txBody>
       </p:sp>
@@ -14430,7 +14404,7 @@
               </a:spcBef>
             </a:pPr>
             <a:r>
-              <a:rPr lang="en-GB" sz="1800" dirty="0" smtClean="0"/>
+              <a:rPr lang="en-GB" sz="1800" dirty="0"/>
               <a:t>An industry-leading performance and load testing product by Hewlett-Packard (since it acquired Mercury Interactive in November 2006).</a:t>
             </a:r>
           </a:p>
@@ -14440,101 +14414,101 @@
                 <a:spcPts val="400"/>
               </a:spcBef>
             </a:pPr>
-            <a:endParaRPr lang="en-GB" sz="1800" dirty="0" smtClean="0"/>
+            <a:endParaRPr lang="en-GB" sz="1800" dirty="0"/>
           </a:p>
           <a:p>
             <a:pPr eaLnBrk="1" hangingPunct="1"/>
             <a:r>
-              <a:rPr lang="en-US" sz="1800" dirty="0" err="1" smtClean="0"/>
+              <a:rPr lang="en-US" sz="1800" dirty="0" err="1"/>
               <a:t>LoadRunner</a:t>
             </a:r>
             <a:r>
-              <a:rPr lang="en-US" sz="1800" dirty="0" smtClean="0"/>
+              <a:rPr lang="en-US" sz="1800" dirty="0"/>
               <a:t> reduces the personnel requirements by replacing human users with virtual users or </a:t>
             </a:r>
             <a:r>
-              <a:rPr lang="en-US" sz="1800" dirty="0" err="1" smtClean="0"/>
+              <a:rPr lang="en-US" sz="1800" dirty="0" err="1"/>
               <a:t>Vusers</a:t>
             </a:r>
             <a:r>
-              <a:rPr lang="en-US" sz="1800" dirty="0" smtClean="0"/>
+              <a:rPr lang="en-US" sz="1800" dirty="0"/>
               <a:t>. These </a:t>
             </a:r>
             <a:r>
-              <a:rPr lang="en-US" sz="1800" dirty="0" err="1" smtClean="0"/>
+              <a:rPr lang="en-US" sz="1800" dirty="0" err="1"/>
               <a:t>Vusers</a:t>
             </a:r>
             <a:r>
-              <a:rPr lang="en-US" sz="1800" dirty="0" smtClean="0"/>
+              <a:rPr lang="en-US" sz="1800" dirty="0"/>
               <a:t> emulate the behavior of real users — operating real applications. </a:t>
             </a:r>
           </a:p>
           <a:p>
             <a:pPr eaLnBrk="1" hangingPunct="1"/>
-            <a:endParaRPr lang="en-US" sz="1800" dirty="0" smtClean="0"/>
+            <a:endParaRPr lang="en-US" sz="1800" dirty="0"/>
           </a:p>
           <a:p>
             <a:pPr eaLnBrk="1" hangingPunct="1"/>
             <a:r>
-              <a:rPr lang="en-US" sz="1800" dirty="0" smtClean="0"/>
+              <a:rPr lang="en-US" sz="1800" dirty="0"/>
               <a:t>Because numerous </a:t>
             </a:r>
             <a:r>
-              <a:rPr lang="en-US" sz="1800" dirty="0" err="1" smtClean="0"/>
+              <a:rPr lang="en-US" sz="1800" dirty="0" err="1"/>
               <a:t>Vusers</a:t>
             </a:r>
             <a:r>
-              <a:rPr lang="en-US" sz="1800" dirty="0" smtClean="0"/>
+              <a:rPr lang="en-US" sz="1800" dirty="0"/>
               <a:t> can run on a single computer, </a:t>
             </a:r>
             <a:r>
-              <a:rPr lang="en-US" sz="1800" dirty="0" err="1" smtClean="0"/>
+              <a:rPr lang="en-US" sz="1800" dirty="0" err="1"/>
               <a:t>LoadRunner</a:t>
             </a:r>
             <a:r>
-              <a:rPr lang="en-US" sz="1800" dirty="0" smtClean="0"/>
+              <a:rPr lang="en-US" sz="1800" dirty="0"/>
               <a:t> reduces the hardware requirements. </a:t>
             </a:r>
           </a:p>
           <a:p>
             <a:pPr eaLnBrk="1" hangingPunct="1"/>
-            <a:endParaRPr lang="en-US" sz="1800" dirty="0" smtClean="0"/>
+            <a:endParaRPr lang="en-US" sz="1800" dirty="0"/>
           </a:p>
           <a:p>
             <a:pPr eaLnBrk="1" hangingPunct="1"/>
             <a:r>
-              <a:rPr lang="en-US" sz="1800" dirty="0" smtClean="0"/>
+              <a:rPr lang="en-US" sz="1800" dirty="0"/>
               <a:t>The </a:t>
             </a:r>
             <a:r>
-              <a:rPr lang="en-US" sz="1800" dirty="0" err="1" smtClean="0"/>
+              <a:rPr lang="en-US" sz="1800" dirty="0" err="1"/>
               <a:t>LoadRunner</a:t>
             </a:r>
             <a:r>
-              <a:rPr lang="en-US" sz="1800" dirty="0" smtClean="0"/>
+              <a:rPr lang="en-US" sz="1800" dirty="0"/>
               <a:t> Controller allows you to easily and effectively control all the </a:t>
             </a:r>
             <a:r>
-              <a:rPr lang="en-US" sz="1800" dirty="0" err="1" smtClean="0"/>
+              <a:rPr lang="en-US" sz="1800" dirty="0" err="1"/>
               <a:t>Vusers</a:t>
             </a:r>
             <a:r>
-              <a:rPr lang="en-US" sz="1800" dirty="0" smtClean="0"/>
+              <a:rPr lang="en-US" sz="1800" dirty="0"/>
               <a:t> — from a single point of control.</a:t>
             </a:r>
           </a:p>
           <a:p>
             <a:pPr eaLnBrk="1" hangingPunct="1"/>
-            <a:endParaRPr lang="en-US" sz="1800" dirty="0" smtClean="0"/>
+            <a:endParaRPr lang="en-US" sz="1800" dirty="0"/>
           </a:p>
           <a:p>
             <a:pPr eaLnBrk="1" hangingPunct="1"/>
             <a:r>
-              <a:rPr lang="en-US" sz="1800" dirty="0" err="1" smtClean="0"/>
+              <a:rPr lang="en-US" sz="1800" dirty="0" err="1"/>
               <a:t>LoadRunner</a:t>
             </a:r>
             <a:r>
-              <a:rPr lang="en-US" sz="1800" dirty="0" smtClean="0"/>
+              <a:rPr lang="en-US" sz="1800" dirty="0"/>
               <a:t> monitors the application performance online, enabling you to fine-tune your system during test execution. </a:t>
             </a:r>
           </a:p>
@@ -14943,7 +14917,7 @@
               </a:tabLst>
             </a:pPr>
             <a:r>
-              <a:rPr lang="en-US" sz="2000" u="sng" smtClean="0">
+              <a:rPr lang="en-US" sz="2000" u="sng">
                 <a:solidFill>
                   <a:srgbClr val="333333"/>
                 </a:solidFill>
@@ -14977,7 +14951,7 @@
                 <a:tab pos="7962900" algn="l"/>
               </a:tabLst>
             </a:pPr>
-            <a:endParaRPr lang="en-US" sz="2000" u="sng" smtClean="0">
+            <a:endParaRPr lang="en-US" sz="2000" u="sng">
               <a:solidFill>
                 <a:srgbClr val="333333"/>
               </a:solidFill>
@@ -15012,7 +14986,7 @@
               </a:tabLst>
             </a:pPr>
             <a:r>
-              <a:rPr lang="en-US" sz="2000" smtClean="0">
+              <a:rPr lang="en-US" sz="2000">
                 <a:solidFill>
                   <a:srgbClr val="333333"/>
                 </a:solidFill>
@@ -15020,7 +14994,7 @@
               <a:t>The </a:t>
             </a:r>
             <a:r>
-              <a:rPr lang="en-US" sz="2000" u="sng" smtClean="0">
+              <a:rPr lang="en-US" sz="2000" u="sng">
                 <a:solidFill>
                   <a:srgbClr val="333333"/>
                 </a:solidFill>
@@ -15028,7 +15002,7 @@
               <a:t>size </a:t>
             </a:r>
             <a:r>
-              <a:rPr lang="en-US" sz="2000" smtClean="0">
+              <a:rPr lang="en-US" sz="2000">
                 <a:solidFill>
                   <a:srgbClr val="333333"/>
                 </a:solidFill>
@@ -15065,7 +15039,7 @@
               </a:tabLst>
             </a:pPr>
             <a:r>
-              <a:rPr lang="en-US" sz="2000" smtClean="0">
+              <a:rPr lang="en-US" sz="2000">
                 <a:solidFill>
                   <a:srgbClr val="333333"/>
                 </a:solidFill>
@@ -15073,7 +15047,7 @@
               <a:t>There is a place to put every </a:t>
             </a:r>
             <a:r>
-              <a:rPr lang="en-US" sz="2000" u="sng" smtClean="0">
+              <a:rPr lang="en-US" sz="2000" u="sng">
                 <a:solidFill>
                   <a:srgbClr val="333333"/>
                 </a:solidFill>
@@ -15081,7 +15055,7 @@
               <a:t>possible direct connection</a:t>
             </a:r>
             <a:r>
-              <a:rPr lang="en-US" sz="2000" smtClean="0">
+              <a:rPr lang="en-US" sz="2000">
                 <a:solidFill>
                   <a:srgbClr val="333333"/>
                 </a:solidFill>
@@ -15118,7 +15092,7 @@
               </a:tabLst>
             </a:pPr>
             <a:r>
-              <a:rPr lang="en-US" sz="2000" smtClean="0">
+              <a:rPr lang="en-US" sz="2000">
                 <a:solidFill>
                   <a:srgbClr val="333333"/>
                 </a:solidFill>
@@ -15126,7 +15100,7 @@
               <a:t>The </a:t>
             </a:r>
             <a:r>
-              <a:rPr lang="en-US" sz="2000" u="sng" smtClean="0">
+              <a:rPr lang="en-US" sz="2000" u="sng">
                 <a:solidFill>
                   <a:srgbClr val="333333"/>
                 </a:solidFill>
@@ -15134,7 +15108,7 @@
               <a:t>entry at a row and column intersection is the link weight</a:t>
             </a:r>
             <a:r>
-              <a:rPr lang="en-US" sz="2000" smtClean="0">
+              <a:rPr lang="en-US" sz="2000">
                 <a:solidFill>
                   <a:srgbClr val="333333"/>
                 </a:solidFill>
@@ -15171,7 +15145,7 @@
               </a:tabLst>
             </a:pPr>
             <a:r>
-              <a:rPr lang="en-US" sz="2000" smtClean="0">
+              <a:rPr lang="en-US" sz="2000">
                 <a:solidFill>
                   <a:srgbClr val="333333"/>
                 </a:solidFill>
@@ -15208,7 +15182,7 @@
               </a:tabLst>
             </a:pPr>
             <a:r>
-              <a:rPr lang="en-US" sz="2000" smtClean="0">
+              <a:rPr lang="en-US" sz="2000">
                 <a:solidFill>
                   <a:srgbClr val="333333"/>
                 </a:solidFill>
@@ -15216,7 +15190,7 @@
               <a:t>If there are several links between two nodes, then the entry is a sum; the “+” sign denotes </a:t>
             </a:r>
             <a:r>
-              <a:rPr lang="en-US" sz="2000" u="sng" smtClean="0">
+              <a:rPr lang="en-US" sz="2000" u="sng">
                 <a:solidFill>
                   <a:srgbClr val="333333"/>
                 </a:solidFill>
@@ -15224,7 +15198,7 @@
               <a:t>parallel links</a:t>
             </a:r>
             <a:r>
-              <a:rPr lang="en-US" sz="2000" smtClean="0">
+              <a:rPr lang="en-US" sz="2000">
                 <a:solidFill>
                   <a:srgbClr val="333333"/>
                 </a:solidFill>
@@ -15258,7 +15232,7 @@
                 <a:tab pos="7962900" algn="l"/>
               </a:tabLst>
             </a:pPr>
-            <a:endParaRPr lang="en-US" sz="2000" smtClean="0">
+            <a:endParaRPr lang="en-US" sz="2000">
               <a:solidFill>
                 <a:srgbClr val="333333"/>
               </a:solidFill>
@@ -19154,7 +19128,7 @@
               </a:tabLst>
             </a:pPr>
             <a:r>
-              <a:rPr lang="en-US" sz="2800" smtClean="0"/>
+              <a:rPr lang="en-US" sz="2800"/>
               <a:t>A simplest weight we can use is to note that there is or isn’t a connection. Let “1” mean that there is a connection and “0” mean that there isn’t.</a:t>
             </a:r>
           </a:p>
@@ -19181,7 +19155,7 @@
               </a:tabLst>
             </a:pPr>
             <a:r>
-              <a:rPr lang="en-US" sz="2800" b="1" smtClean="0"/>
+              <a:rPr lang="en-US" sz="2800" b="1"/>
               <a:t>The arithmetic rules are:</a:t>
             </a:r>
           </a:p>
@@ -19208,7 +19182,7 @@
               </a:tabLst>
             </a:pPr>
             <a:r>
-              <a:rPr lang="en-US" sz="2800" b="1" smtClean="0"/>
+              <a:rPr lang="en-US" sz="2800" b="1"/>
               <a:t>1+1=1		1*1=1</a:t>
             </a:r>
           </a:p>
@@ -19235,7 +19209,7 @@
               </a:tabLst>
             </a:pPr>
             <a:r>
-              <a:rPr lang="en-US" sz="2800" b="1" smtClean="0"/>
+              <a:rPr lang="en-US" sz="2800" b="1"/>
               <a:t>1+0=1		1*0=0</a:t>
             </a:r>
           </a:p>
@@ -19262,7 +19236,7 @@
               </a:tabLst>
             </a:pPr>
             <a:r>
-              <a:rPr lang="en-US" sz="2800" b="1" smtClean="0"/>
+              <a:rPr lang="en-US" sz="2800" b="1"/>
               <a:t>0+0=0		0*0=0</a:t>
             </a:r>
           </a:p>
@@ -19289,11 +19263,11 @@
               </a:tabLst>
             </a:pPr>
             <a:r>
-              <a:rPr lang="en-US" sz="2800" smtClean="0"/>
+              <a:rPr lang="en-US" sz="2800"/>
               <a:t>A matrix defined like this is called </a:t>
             </a:r>
             <a:r>
-              <a:rPr lang="en-US" sz="2800" smtClean="0">
+              <a:rPr lang="en-US" sz="2800">
                 <a:solidFill>
                   <a:srgbClr val="FF0000"/>
                 </a:solidFill>
@@ -19329,7 +19303,7 @@
                 <a:tab pos="7962900" algn="l"/>
               </a:tabLst>
             </a:pPr>
-            <a:endParaRPr lang="en-US" sz="2800" smtClean="0">
+            <a:endParaRPr lang="en-US" sz="2800">
               <a:solidFill>
                 <a:srgbClr val="FF0000"/>
               </a:solidFill>
@@ -19474,7 +19448,7 @@
               </a:tabLst>
             </a:pPr>
             <a:r>
-              <a:rPr lang="en-US" sz="2800" smtClean="0">
+              <a:rPr lang="en-US" sz="2800">
                 <a:solidFill>
                   <a:srgbClr val="000000"/>
                 </a:solidFill>
@@ -19502,7 +19476,7 @@
               </a:tabLst>
             </a:pPr>
             <a:r>
-              <a:rPr lang="en-US" sz="2800" smtClean="0">
+              <a:rPr lang="en-US" sz="2800">
                 <a:solidFill>
                   <a:srgbClr val="000000"/>
                 </a:solidFill>
@@ -19531,7 +19505,7 @@
                 <a:tab pos="7962900" algn="l"/>
               </a:tabLst>
             </a:pPr>
-            <a:endParaRPr lang="en-US" sz="2800" smtClean="0">
+            <a:endParaRPr lang="en-US" sz="2800">
               <a:solidFill>
                 <a:srgbClr val="000000"/>
               </a:solidFill>
@@ -19558,7 +19532,7 @@
                 <a:tab pos="7962900" algn="l"/>
               </a:tabLst>
             </a:pPr>
-            <a:endParaRPr lang="en-US" sz="2800" smtClean="0">
+            <a:endParaRPr lang="en-US" sz="2800">
               <a:solidFill>
                 <a:srgbClr val="000000"/>
               </a:solidFill>
@@ -19585,7 +19559,7 @@
                 <a:tab pos="7962900" algn="l"/>
               </a:tabLst>
             </a:pPr>
-            <a:endParaRPr lang="en-US" sz="2800" smtClean="0">
+            <a:endParaRPr lang="en-US" sz="2800">
               <a:solidFill>
                 <a:srgbClr val="000000"/>
               </a:solidFill>
